--- a/CodePipeline-CodeBuild-CloudFormation/Liquibase Pro and AWS CodePipeline.pptx
+++ b/CodePipeline-CodeBuild-CloudFormation/Liquibase Pro and AWS CodePipeline.pptx
@@ -104,6 +104,11 @@
       </a:defRPr>
     </a:lvl9pPr>
   </p:defaultTextStyle>
+  <p:extLst>
+    <p:ext uri="{EFAFB233-063F-42B5-8137-9DF3F51BA10A}">
+      <p15:sldGuideLst xmlns:p15="http://schemas.microsoft.com/office/powerpoint/2012/main"/>
+    </p:ext>
+  </p:extLst>
 </p:presentation>
 </file>
 
@@ -254,7 +259,7 @@
           <a:p>
             <a:fld id="{872669AC-6ABE-4303-8D92-11EED03D4035}" type="datetimeFigureOut">
               <a:rPr lang="en-US" smtClean="0"/>
-              <a:t>9/10/2021</a:t>
+              <a:t>9/13/2021</a:t>
             </a:fld>
             <a:endParaRPr lang="en-US"/>
           </a:p>
@@ -452,7 +457,7 @@
           <a:p>
             <a:fld id="{872669AC-6ABE-4303-8D92-11EED03D4035}" type="datetimeFigureOut">
               <a:rPr lang="en-US" smtClean="0"/>
-              <a:t>9/10/2021</a:t>
+              <a:t>9/13/2021</a:t>
             </a:fld>
             <a:endParaRPr lang="en-US"/>
           </a:p>
@@ -660,7 +665,7 @@
           <a:p>
             <a:fld id="{872669AC-6ABE-4303-8D92-11EED03D4035}" type="datetimeFigureOut">
               <a:rPr lang="en-US" smtClean="0"/>
-              <a:t>9/10/2021</a:t>
+              <a:t>9/13/2021</a:t>
             </a:fld>
             <a:endParaRPr lang="en-US"/>
           </a:p>
@@ -858,7 +863,7 @@
           <a:p>
             <a:fld id="{872669AC-6ABE-4303-8D92-11EED03D4035}" type="datetimeFigureOut">
               <a:rPr lang="en-US" smtClean="0"/>
-              <a:t>9/10/2021</a:t>
+              <a:t>9/13/2021</a:t>
             </a:fld>
             <a:endParaRPr lang="en-US"/>
           </a:p>
@@ -1133,7 +1138,7 @@
           <a:p>
             <a:fld id="{872669AC-6ABE-4303-8D92-11EED03D4035}" type="datetimeFigureOut">
               <a:rPr lang="en-US" smtClean="0"/>
-              <a:t>9/10/2021</a:t>
+              <a:t>9/13/2021</a:t>
             </a:fld>
             <a:endParaRPr lang="en-US"/>
           </a:p>
@@ -1398,7 +1403,7 @@
           <a:p>
             <a:fld id="{872669AC-6ABE-4303-8D92-11EED03D4035}" type="datetimeFigureOut">
               <a:rPr lang="en-US" smtClean="0"/>
-              <a:t>9/10/2021</a:t>
+              <a:t>9/13/2021</a:t>
             </a:fld>
             <a:endParaRPr lang="en-US"/>
           </a:p>
@@ -1810,7 +1815,7 @@
           <a:p>
             <a:fld id="{872669AC-6ABE-4303-8D92-11EED03D4035}" type="datetimeFigureOut">
               <a:rPr lang="en-US" smtClean="0"/>
-              <a:t>9/10/2021</a:t>
+              <a:t>9/13/2021</a:t>
             </a:fld>
             <a:endParaRPr lang="en-US"/>
           </a:p>
@@ -1951,7 +1956,7 @@
           <a:p>
             <a:fld id="{872669AC-6ABE-4303-8D92-11EED03D4035}" type="datetimeFigureOut">
               <a:rPr lang="en-US" smtClean="0"/>
-              <a:t>9/10/2021</a:t>
+              <a:t>9/13/2021</a:t>
             </a:fld>
             <a:endParaRPr lang="en-US"/>
           </a:p>
@@ -2064,7 +2069,7 @@
           <a:p>
             <a:fld id="{872669AC-6ABE-4303-8D92-11EED03D4035}" type="datetimeFigureOut">
               <a:rPr lang="en-US" smtClean="0"/>
-              <a:t>9/10/2021</a:t>
+              <a:t>9/13/2021</a:t>
             </a:fld>
             <a:endParaRPr lang="en-US"/>
           </a:p>
@@ -2375,7 +2380,7 @@
           <a:p>
             <a:fld id="{872669AC-6ABE-4303-8D92-11EED03D4035}" type="datetimeFigureOut">
               <a:rPr lang="en-US" smtClean="0"/>
-              <a:t>9/10/2021</a:t>
+              <a:t>9/13/2021</a:t>
             </a:fld>
             <a:endParaRPr lang="en-US"/>
           </a:p>
@@ -2663,7 +2668,7 @@
           <a:p>
             <a:fld id="{872669AC-6ABE-4303-8D92-11EED03D4035}" type="datetimeFigureOut">
               <a:rPr lang="en-US" smtClean="0"/>
-              <a:t>9/10/2021</a:t>
+              <a:t>9/13/2021</a:t>
             </a:fld>
             <a:endParaRPr lang="en-US"/>
           </a:p>
@@ -2904,7 +2909,7 @@
           <a:p>
             <a:fld id="{872669AC-6ABE-4303-8D92-11EED03D4035}" type="datetimeFigureOut">
               <a:rPr lang="en-US" smtClean="0"/>
-              <a:t>9/10/2021</a:t>
+              <a:t>9/13/2021</a:t>
             </a:fld>
             <a:endParaRPr lang="en-US"/>
           </a:p>
@@ -4712,16 +4717,13 @@
                 </a:spcAft>
                 <a:defRPr/>
               </a:pPr>
-              <a:r>
-                <a:rPr lang="en-US" sz="1200" dirty="0">
-                  <a:solidFill>
-                    <a:srgbClr val="5A6B86"/>
-                  </a:solidFill>
-                  <a:latin typeface="Arial" panose="020B0604020202020204" pitchFamily="34" charset="0"/>
-                  <a:cs typeface="Arial" panose="020B0604020202020204" pitchFamily="34" charset="0"/>
-                </a:rPr>
-                <a:t>Generic group</a:t>
-              </a:r>
+              <a:endParaRPr lang="en-US" sz="1200" dirty="0">
+                <a:solidFill>
+                  <a:srgbClr val="5A6B86"/>
+                </a:solidFill>
+                <a:latin typeface="Arial" panose="020B0604020202020204" pitchFamily="34" charset="0"/>
+                <a:cs typeface="Arial" panose="020B0604020202020204" pitchFamily="34" charset="0"/>
+              </a:endParaRPr>
             </a:p>
           </p:txBody>
         </p:sp>
@@ -7327,6 +7329,21 @@
 </file>
 
 <file path=customXml/item1.xml><?xml version="1.0" encoding="utf-8"?>
+<p:properties xmlns:p="http://schemas.microsoft.com/office/2006/metadata/properties" xmlns:xsi="http://www.w3.org/2001/XMLSchema-instance" xmlns:pc="http://schemas.microsoft.com/office/infopath/2007/PartnerControls">
+  <documentManagement/>
+</p:properties>
+</file>
+
+<file path=customXml/item2.xml><?xml version="1.0" encoding="utf-8"?>
+<?mso-contentType ?>
+<FormTemplates xmlns="http://schemas.microsoft.com/sharepoint/v3/contenttype/forms">
+  <Display>DocumentLibraryForm</Display>
+  <Edit>DocumentLibraryForm</Edit>
+  <New>DocumentLibraryForm</New>
+</FormTemplates>
+</file>
+
+<file path=customXml/item3.xml><?xml version="1.0" encoding="utf-8"?>
 <ct:contentTypeSchema xmlns:ct="http://schemas.microsoft.com/office/2006/metadata/contentType" xmlns:ma="http://schemas.microsoft.com/office/2006/metadata/properties/metaAttributes" ct:_="" ma:_="" ma:contentTypeName="Document" ma:contentTypeID="0x010100B9164D0292C4EC49BC72A7649FBCFFB0" ma:contentTypeVersion="5" ma:contentTypeDescription="Create a new document." ma:contentTypeScope="" ma:versionID="8bee412bdbd6b26e1ebae4b3db9e212b">
   <xsd:schema xmlns:xsd="http://www.w3.org/2001/XMLSchema" xmlns:xs="http://www.w3.org/2001/XMLSchema" xmlns:p="http://schemas.microsoft.com/office/2006/metadata/properties" xmlns:ns3="b2084ec3-c968-4a7f-8482-609be7bf283b" xmlns:ns4="2d0ff5b2-f4e7-415a-8fa3-79ee98aad041" targetNamespace="http://schemas.microsoft.com/office/2006/metadata/properties" ma:root="true" ma:fieldsID="881b45ebc68d80a30b40a45212ad74f2" ns3:_="" ns4:_="">
     <xsd:import namespace="b2084ec3-c968-4a7f-8482-609be7bf283b"/>
@@ -7497,22 +7514,32 @@
 </ct:contentTypeSchema>
 </file>
 
-<file path=customXml/item2.xml><?xml version="1.0" encoding="utf-8"?>
-<?mso-contentType ?>
-<FormTemplates xmlns="http://schemas.microsoft.com/sharepoint/v3/contenttype/forms">
-  <Display>DocumentLibraryForm</Display>
-  <Edit>DocumentLibraryForm</Edit>
-  <New>DocumentLibraryForm</New>
-</FormTemplates>
+<file path=customXml/itemProps1.xml><?xml version="1.0" encoding="utf-8"?>
+<ds:datastoreItem xmlns:ds="http://schemas.openxmlformats.org/officeDocument/2006/customXml" ds:itemID="{322F4EE9-9C18-4459-A2FE-AB6C323A3FB1}">
+  <ds:schemaRefs>
+    <ds:schemaRef ds:uri="http://www.w3.org/XML/1998/namespace"/>
+    <ds:schemaRef ds:uri="http://schemas.microsoft.com/office/2006/documentManagement/types"/>
+    <ds:schemaRef ds:uri="http://purl.org/dc/elements/1.1/"/>
+    <ds:schemaRef ds:uri="http://purl.org/dc/terms/"/>
+    <ds:schemaRef ds:uri="2d0ff5b2-f4e7-415a-8fa3-79ee98aad041"/>
+    <ds:schemaRef ds:uri="http://schemas.microsoft.com/office/infopath/2007/PartnerControls"/>
+    <ds:schemaRef ds:uri="http://schemas.openxmlformats.org/package/2006/metadata/core-properties"/>
+    <ds:schemaRef ds:uri="b2084ec3-c968-4a7f-8482-609be7bf283b"/>
+    <ds:schemaRef ds:uri="http://schemas.microsoft.com/office/2006/metadata/properties"/>
+    <ds:schemaRef ds:uri="http://purl.org/dc/dcmitype/"/>
+  </ds:schemaRefs>
+</ds:datastoreItem>
 </file>
 
-<file path=customXml/item3.xml><?xml version="1.0" encoding="utf-8"?>
-<p:properties xmlns:p="http://schemas.microsoft.com/office/2006/metadata/properties" xmlns:xsi="http://www.w3.org/2001/XMLSchema-instance" xmlns:pc="http://schemas.microsoft.com/office/infopath/2007/PartnerControls">
-  <documentManagement/>
-</p:properties>
+<file path=customXml/itemProps2.xml><?xml version="1.0" encoding="utf-8"?>
+<ds:datastoreItem xmlns:ds="http://schemas.openxmlformats.org/officeDocument/2006/customXml" ds:itemID="{7524E348-07C7-4EDB-A3E8-E591267A3084}">
+  <ds:schemaRefs>
+    <ds:schemaRef ds:uri="http://schemas.microsoft.com/sharepoint/v3/contenttype/forms"/>
+  </ds:schemaRefs>
+</ds:datastoreItem>
 </file>
 
-<file path=customXml/itemProps1.xml><?xml version="1.0" encoding="utf-8"?>
+<file path=customXml/itemProps3.xml><?xml version="1.0" encoding="utf-8"?>
 <ds:datastoreItem xmlns:ds="http://schemas.openxmlformats.org/officeDocument/2006/customXml" ds:itemID="{20730512-B94D-45C6-8525-DC0E09B9504A}">
   <ds:schemaRefs>
     <ds:schemaRef ds:uri="http://schemas.microsoft.com/office/2006/metadata/contentType"/>
@@ -7529,29 +7556,4 @@
     <ds:schemaRef ds:uri="http://schemas.microsoft.com/internal/obd"/>
   </ds:schemaRefs>
 </ds:datastoreItem>
-</file>
-
-<file path=customXml/itemProps2.xml><?xml version="1.0" encoding="utf-8"?>
-<ds:datastoreItem xmlns:ds="http://schemas.openxmlformats.org/officeDocument/2006/customXml" ds:itemID="{7524E348-07C7-4EDB-A3E8-E591267A3084}">
-  <ds:schemaRefs>
-    <ds:schemaRef ds:uri="http://schemas.microsoft.com/sharepoint/v3/contenttype/forms"/>
-  </ds:schemaRefs>
-</ds:datastoreItem>
-</file>
-
-<file path=customXml/itemProps3.xml><?xml version="1.0" encoding="utf-8"?>
-<ds:datastoreItem xmlns:ds="http://schemas.openxmlformats.org/officeDocument/2006/customXml" ds:itemID="{322F4EE9-9C18-4459-A2FE-AB6C323A3FB1}">
-  <ds:schemaRefs>
-    <ds:schemaRef ds:uri="http://www.w3.org/XML/1998/namespace"/>
-    <ds:schemaRef ds:uri="http://schemas.microsoft.com/office/2006/documentManagement/types"/>
-    <ds:schemaRef ds:uri="http://purl.org/dc/elements/1.1/"/>
-    <ds:schemaRef ds:uri="http://purl.org/dc/terms/"/>
-    <ds:schemaRef ds:uri="2d0ff5b2-f4e7-415a-8fa3-79ee98aad041"/>
-    <ds:schemaRef ds:uri="http://schemas.microsoft.com/office/infopath/2007/PartnerControls"/>
-    <ds:schemaRef ds:uri="http://schemas.openxmlformats.org/package/2006/metadata/core-properties"/>
-    <ds:schemaRef ds:uri="b2084ec3-c968-4a7f-8482-609be7bf283b"/>
-    <ds:schemaRef ds:uri="http://schemas.microsoft.com/office/2006/metadata/properties"/>
-    <ds:schemaRef ds:uri="http://purl.org/dc/dcmitype/"/>
-  </ds:schemaRefs>
-</ds:datastoreItem>
 </file>
--- a/CodePipeline-CodeBuild-CloudFormation/Liquibase Pro and AWS CodePipeline.pptx
+++ b/CodePipeline-CodeBuild-CloudFormation/Liquibase Pro and AWS CodePipeline.pptx
@@ -259,7 +259,7 @@
           <a:p>
             <a:fld id="{872669AC-6ABE-4303-8D92-11EED03D4035}" type="datetimeFigureOut">
               <a:rPr lang="en-US" smtClean="0"/>
-              <a:t>9/13/2021</a:t>
+              <a:t>9/16/2021</a:t>
             </a:fld>
             <a:endParaRPr lang="en-US"/>
           </a:p>
@@ -457,7 +457,7 @@
           <a:p>
             <a:fld id="{872669AC-6ABE-4303-8D92-11EED03D4035}" type="datetimeFigureOut">
               <a:rPr lang="en-US" smtClean="0"/>
-              <a:t>9/13/2021</a:t>
+              <a:t>9/16/2021</a:t>
             </a:fld>
             <a:endParaRPr lang="en-US"/>
           </a:p>
@@ -665,7 +665,7 @@
           <a:p>
             <a:fld id="{872669AC-6ABE-4303-8D92-11EED03D4035}" type="datetimeFigureOut">
               <a:rPr lang="en-US" smtClean="0"/>
-              <a:t>9/13/2021</a:t>
+              <a:t>9/16/2021</a:t>
             </a:fld>
             <a:endParaRPr lang="en-US"/>
           </a:p>
@@ -863,7 +863,7 @@
           <a:p>
             <a:fld id="{872669AC-6ABE-4303-8D92-11EED03D4035}" type="datetimeFigureOut">
               <a:rPr lang="en-US" smtClean="0"/>
-              <a:t>9/13/2021</a:t>
+              <a:t>9/16/2021</a:t>
             </a:fld>
             <a:endParaRPr lang="en-US"/>
           </a:p>
@@ -1138,7 +1138,7 @@
           <a:p>
             <a:fld id="{872669AC-6ABE-4303-8D92-11EED03D4035}" type="datetimeFigureOut">
               <a:rPr lang="en-US" smtClean="0"/>
-              <a:t>9/13/2021</a:t>
+              <a:t>9/16/2021</a:t>
             </a:fld>
             <a:endParaRPr lang="en-US"/>
           </a:p>
@@ -1403,7 +1403,7 @@
           <a:p>
             <a:fld id="{872669AC-6ABE-4303-8D92-11EED03D4035}" type="datetimeFigureOut">
               <a:rPr lang="en-US" smtClean="0"/>
-              <a:t>9/13/2021</a:t>
+              <a:t>9/16/2021</a:t>
             </a:fld>
             <a:endParaRPr lang="en-US"/>
           </a:p>
@@ -1815,7 +1815,7 @@
           <a:p>
             <a:fld id="{872669AC-6ABE-4303-8D92-11EED03D4035}" type="datetimeFigureOut">
               <a:rPr lang="en-US" smtClean="0"/>
-              <a:t>9/13/2021</a:t>
+              <a:t>9/16/2021</a:t>
             </a:fld>
             <a:endParaRPr lang="en-US"/>
           </a:p>
@@ -1956,7 +1956,7 @@
           <a:p>
             <a:fld id="{872669AC-6ABE-4303-8D92-11EED03D4035}" type="datetimeFigureOut">
               <a:rPr lang="en-US" smtClean="0"/>
-              <a:t>9/13/2021</a:t>
+              <a:t>9/16/2021</a:t>
             </a:fld>
             <a:endParaRPr lang="en-US"/>
           </a:p>
@@ -2069,7 +2069,7 @@
           <a:p>
             <a:fld id="{872669AC-6ABE-4303-8D92-11EED03D4035}" type="datetimeFigureOut">
               <a:rPr lang="en-US" smtClean="0"/>
-              <a:t>9/13/2021</a:t>
+              <a:t>9/16/2021</a:t>
             </a:fld>
             <a:endParaRPr lang="en-US"/>
           </a:p>
@@ -2380,7 +2380,7 @@
           <a:p>
             <a:fld id="{872669AC-6ABE-4303-8D92-11EED03D4035}" type="datetimeFigureOut">
               <a:rPr lang="en-US" smtClean="0"/>
-              <a:t>9/13/2021</a:t>
+              <a:t>9/16/2021</a:t>
             </a:fld>
             <a:endParaRPr lang="en-US"/>
           </a:p>
@@ -2668,7 +2668,7 @@
           <a:p>
             <a:fld id="{872669AC-6ABE-4303-8D92-11EED03D4035}" type="datetimeFigureOut">
               <a:rPr lang="en-US" smtClean="0"/>
-              <a:t>9/13/2021</a:t>
+              <a:t>9/16/2021</a:t>
             </a:fld>
             <a:endParaRPr lang="en-US"/>
           </a:p>
@@ -2909,7 +2909,7 @@
           <a:p>
             <a:fld id="{872669AC-6ABE-4303-8D92-11EED03D4035}" type="datetimeFigureOut">
               <a:rPr lang="en-US" smtClean="0"/>
-              <a:t>9/13/2021</a:t>
+              <a:t>9/16/2021</a:t>
             </a:fld>
             <a:endParaRPr lang="en-US"/>
           </a:p>
@@ -3340,7 +3340,7 @@
         </p:nvGrpSpPr>
         <p:grpSpPr>
           <a:xfrm>
-            <a:off x="4065091" y="768653"/>
+            <a:off x="3912692" y="616254"/>
             <a:ext cx="2243137" cy="1038999"/>
             <a:chOff x="2249488" y="1184275"/>
             <a:chExt cx="2243137" cy="1038999"/>
@@ -3582,7 +3582,7 @@
         </p:nvGrpSpPr>
         <p:grpSpPr>
           <a:xfrm>
-            <a:off x="6363454" y="760224"/>
+            <a:off x="6211055" y="607825"/>
             <a:ext cx="2243137" cy="1040586"/>
             <a:chOff x="2249488" y="1182688"/>
             <a:chExt cx="2243137" cy="1040586"/>
@@ -3824,7 +3824,7 @@
         </p:nvGrpSpPr>
         <p:grpSpPr>
           <a:xfrm>
-            <a:off x="9423814" y="2641289"/>
+            <a:off x="9271415" y="2488890"/>
             <a:ext cx="2239962" cy="1225252"/>
             <a:chOff x="2249488" y="1182688"/>
             <a:chExt cx="2239962" cy="1225252"/>
@@ -4066,7 +4066,7 @@
         </p:nvSpPr>
         <p:spPr>
           <a:xfrm>
-            <a:off x="491958" y="484522"/>
+            <a:off x="339559" y="332123"/>
             <a:ext cx="11515558" cy="6221077"/>
           </a:xfrm>
           <a:prstGeom prst="rect">
@@ -4148,7 +4148,7 @@
         </p:blipFill>
         <p:spPr>
           <a:xfrm>
-            <a:off x="491958" y="484522"/>
+            <a:off x="339559" y="332123"/>
             <a:ext cx="381000" cy="381000"/>
           </a:xfrm>
           <a:prstGeom prst="rect">
@@ -4170,7 +4170,7 @@
         </p:nvGrpSpPr>
         <p:grpSpPr>
           <a:xfrm>
-            <a:off x="1867943" y="682896"/>
+            <a:off x="1715544" y="530497"/>
             <a:ext cx="2292350" cy="3145438"/>
             <a:chOff x="3477211" y="500451"/>
             <a:chExt cx="2292350" cy="3145438"/>
@@ -4742,7 +4742,7 @@
         </p:nvGrpSpPr>
         <p:grpSpPr>
           <a:xfrm>
-            <a:off x="5619248" y="2188616"/>
+            <a:off x="5466849" y="2036217"/>
             <a:ext cx="3601625" cy="1697578"/>
             <a:chOff x="8280405" y="2750980"/>
             <a:chExt cx="3601625" cy="1697578"/>
@@ -5086,7 +5086,7 @@
               <a:r>
                 <a:rPr lang="en-US" sz="1200" dirty="0">
                   <a:solidFill>
-                    <a:srgbClr val="5A6B86"/>
+                    <a:schemeClr val="tx1"/>
                   </a:solidFill>
                   <a:latin typeface="Arial" panose="020B0604020202020204" pitchFamily="34" charset="0"/>
                   <a:cs typeface="Arial" panose="020B0604020202020204" pitchFamily="34" charset="0"/>
@@ -5096,7 +5096,7 @@
               <a:r>
                 <a:rPr lang="en-US" sz="1200" dirty="0" err="1">
                   <a:solidFill>
-                    <a:srgbClr val="5A6B86"/>
+                    <a:schemeClr val="tx1"/>
                   </a:solidFill>
                   <a:latin typeface="Arial" panose="020B0604020202020204" pitchFamily="34" charset="0"/>
                   <a:cs typeface="Arial" panose="020B0604020202020204" pitchFamily="34" charset="0"/>
@@ -5105,7 +5105,7 @@
               </a:r>
               <a:endParaRPr lang="en-US" sz="1200" dirty="0">
                 <a:solidFill>
-                  <a:srgbClr val="5A6B86"/>
+                  <a:schemeClr val="tx1"/>
                 </a:solidFill>
                 <a:latin typeface="Arial" panose="020B0604020202020204" pitchFamily="34" charset="0"/>
                 <a:cs typeface="Arial" panose="020B0604020202020204" pitchFamily="34" charset="0"/>
@@ -5128,7 +5128,7 @@
         </p:nvGrpSpPr>
         <p:grpSpPr>
           <a:xfrm>
-            <a:off x="641912" y="2035093"/>
+            <a:off x="489513" y="1882694"/>
             <a:ext cx="1073150" cy="833110"/>
             <a:chOff x="1545279" y="975151"/>
             <a:chExt cx="1073150" cy="833110"/>
@@ -5370,7 +5370,7 @@
         </p:nvGrpSpPr>
         <p:grpSpPr>
           <a:xfrm>
-            <a:off x="8169365" y="4201936"/>
+            <a:off x="4294509" y="4889510"/>
             <a:ext cx="1073150" cy="833110"/>
             <a:chOff x="4387136" y="4032003"/>
             <a:chExt cx="1073150" cy="833110"/>
@@ -5616,7 +5616,7 @@
         </p:nvCxnSpPr>
         <p:spPr>
           <a:xfrm flipV="1">
-            <a:off x="1413437" y="2255615"/>
+            <a:off x="1261038" y="2103216"/>
             <a:ext cx="661884" cy="14428"/>
           </a:xfrm>
           <a:prstGeom prst="straightConnector1">
@@ -5663,7 +5663,7 @@
         </p:nvCxnSpPr>
         <p:spPr>
           <a:xfrm flipV="1">
-            <a:off x="3949321" y="1149653"/>
+            <a:off x="3796922" y="997254"/>
             <a:ext cx="855545" cy="1105962"/>
           </a:xfrm>
           <a:prstGeom prst="straightConnector1">
@@ -5710,7 +5710,7 @@
         </p:nvCxnSpPr>
         <p:spPr>
           <a:xfrm flipV="1">
-            <a:off x="5566866" y="1141224"/>
+            <a:off x="5414467" y="988825"/>
             <a:ext cx="1536363" cy="8429"/>
           </a:xfrm>
           <a:prstGeom prst="straightConnector1">
@@ -5757,7 +5757,7 @@
         </p:nvCxnSpPr>
         <p:spPr>
           <a:xfrm flipH="1">
-            <a:off x="7479297" y="1523811"/>
+            <a:off x="7326898" y="1371412"/>
             <a:ext cx="5726" cy="664805"/>
           </a:xfrm>
           <a:prstGeom prst="straightConnector1">
@@ -5804,7 +5804,7 @@
         </p:nvCxnSpPr>
         <p:spPr>
           <a:xfrm flipV="1">
-            <a:off x="9220873" y="3022289"/>
+            <a:off x="9068474" y="2869890"/>
             <a:ext cx="942716" cy="15116"/>
           </a:xfrm>
           <a:prstGeom prst="straightConnector1">
@@ -5851,8 +5851,8 @@
         </p:nvCxnSpPr>
         <p:spPr>
           <a:xfrm flipH="1">
-            <a:off x="3734370" y="3886194"/>
-            <a:ext cx="3744927" cy="1052683"/>
+            <a:off x="2819848" y="3733795"/>
+            <a:ext cx="4507050" cy="680054"/>
           </a:xfrm>
           <a:prstGeom prst="straightConnector1">
             <a:avLst/>
@@ -5891,15 +5891,15 @@
           </p:cNvPr>
           <p:cNvCxnSpPr>
             <a:cxnSpLocks/>
-            <a:stCxn id="31" idx="2"/>
-            <a:endCxn id="37" idx="0"/>
+            <a:stCxn id="75" idx="3"/>
+            <a:endCxn id="37" idx="3"/>
           </p:cNvCxnSpPr>
           <p:nvPr/>
         </p:nvCxnSpPr>
         <p:spPr>
-          <a:xfrm>
-            <a:off x="7479297" y="3886194"/>
-            <a:ext cx="1226643" cy="315742"/>
+          <a:xfrm flipV="1">
+            <a:off x="3985851" y="5124460"/>
+            <a:ext cx="610283" cy="6690"/>
           </a:xfrm>
           <a:prstGeom prst="straightConnector1">
             <a:avLst/>
@@ -5938,15 +5938,15 @@
           </p:cNvPr>
           <p:cNvCxnSpPr>
             <a:cxnSpLocks/>
-            <a:stCxn id="37" idx="3"/>
-            <a:endCxn id="82" idx="0"/>
+            <a:stCxn id="37" idx="1"/>
+            <a:endCxn id="82" idx="1"/>
           </p:cNvCxnSpPr>
           <p:nvPr/>
         </p:nvCxnSpPr>
         <p:spPr>
-          <a:xfrm flipH="1">
-            <a:off x="6976782" y="4436886"/>
-            <a:ext cx="1494208" cy="498509"/>
+          <a:xfrm flipV="1">
+            <a:off x="5066034" y="5123310"/>
+            <a:ext cx="439947" cy="1150"/>
           </a:xfrm>
           <a:prstGeom prst="straightConnector1">
             <a:avLst/>
@@ -5985,15 +5985,15 @@
           </p:cNvPr>
           <p:cNvCxnSpPr>
             <a:cxnSpLocks/>
-            <a:stCxn id="37" idx="1"/>
-            <a:endCxn id="87" idx="0"/>
+            <a:stCxn id="82" idx="3"/>
+            <a:endCxn id="58" idx="3"/>
           </p:cNvCxnSpPr>
           <p:nvPr/>
         </p:nvCxnSpPr>
         <p:spPr>
           <a:xfrm>
-            <a:off x="8940890" y="4436886"/>
-            <a:ext cx="1494208" cy="498509"/>
+            <a:off x="7837987" y="5123310"/>
+            <a:ext cx="479341" cy="1150"/>
           </a:xfrm>
           <a:prstGeom prst="straightConnector1">
             <a:avLst/>
@@ -6035,7 +6035,7 @@
         </p:nvGrpSpPr>
         <p:grpSpPr>
           <a:xfrm>
-            <a:off x="2568367" y="4938877"/>
+            <a:off x="1653845" y="4413849"/>
             <a:ext cx="2332006" cy="1434602"/>
             <a:chOff x="2568367" y="4938877"/>
             <a:chExt cx="2332006" cy="1434602"/>
@@ -6343,7 +6343,7 @@
               <a:r>
                 <a:rPr lang="en-US" sz="1200" dirty="0">
                   <a:solidFill>
-                    <a:srgbClr val="5A6B86"/>
+                    <a:schemeClr val="tx1"/>
                   </a:solidFill>
                   <a:latin typeface="Arial" panose="020B0604020202020204" pitchFamily="34" charset="0"/>
                   <a:cs typeface="Arial" panose="020B0604020202020204" pitchFamily="34" charset="0"/>
@@ -6368,7 +6368,7 @@
         </p:nvGrpSpPr>
         <p:grpSpPr>
           <a:xfrm>
-            <a:off x="5810779" y="4935395"/>
+            <a:off x="5505981" y="4406009"/>
             <a:ext cx="2332006" cy="1434602"/>
             <a:chOff x="2568367" y="4938877"/>
             <a:chExt cx="2332006" cy="1434602"/>
@@ -6676,7 +6676,7 @@
               <a:r>
                 <a:rPr lang="en-US" sz="1200" dirty="0">
                   <a:solidFill>
-                    <a:srgbClr val="5A6B86"/>
+                    <a:schemeClr val="tx1"/>
                   </a:solidFill>
                   <a:latin typeface="Arial" panose="020B0604020202020204" pitchFamily="34" charset="0"/>
                   <a:cs typeface="Arial" panose="020B0604020202020204" pitchFamily="34" charset="0"/>
@@ -6701,7 +6701,7 @@
         </p:nvGrpSpPr>
         <p:grpSpPr>
           <a:xfrm>
-            <a:off x="9269095" y="4935395"/>
+            <a:off x="9205404" y="4413849"/>
             <a:ext cx="2332006" cy="1434602"/>
             <a:chOff x="2568367" y="4938877"/>
             <a:chExt cx="2332006" cy="1434602"/>
@@ -7009,7 +7009,7 @@
               <a:r>
                 <a:rPr lang="en-US" sz="1200" dirty="0">
                   <a:solidFill>
-                    <a:srgbClr val="5A6B86"/>
+                    <a:schemeClr val="tx1"/>
                   </a:solidFill>
                   <a:latin typeface="Arial" panose="020B0604020202020204" pitchFamily="34" charset="0"/>
                   <a:cs typeface="Arial" panose="020B0604020202020204" pitchFamily="34" charset="0"/>
@@ -7020,6 +7020,295 @@
           </p:txBody>
         </p:sp>
       </p:grpSp>
+      <p:grpSp>
+        <p:nvGrpSpPr>
+          <p:cNvPr id="57" name="Group 56">
+            <a:extLst>
+              <a:ext uri="{FF2B5EF4-FFF2-40B4-BE49-F238E27FC236}">
+                <a16:creationId xmlns:a16="http://schemas.microsoft.com/office/drawing/2014/main" id="{AB1A7F9E-82F8-4C4D-9947-7D1D895E9E5B}"/>
+              </a:ext>
+            </a:extLst>
+          </p:cNvPr>
+          <p:cNvGrpSpPr/>
+          <p:nvPr/>
+        </p:nvGrpSpPr>
+        <p:grpSpPr>
+          <a:xfrm>
+            <a:off x="8015703" y="4889510"/>
+            <a:ext cx="1073150" cy="833110"/>
+            <a:chOff x="4387136" y="4032003"/>
+            <a:chExt cx="1073150" cy="833110"/>
+          </a:xfrm>
+        </p:grpSpPr>
+        <p:pic>
+          <p:nvPicPr>
+            <p:cNvPr id="58" name="Graphic 23">
+              <a:extLst>
+                <a:ext uri="{FF2B5EF4-FFF2-40B4-BE49-F238E27FC236}">
+                  <a16:creationId xmlns:a16="http://schemas.microsoft.com/office/drawing/2014/main" id="{DF00C278-2B67-49EC-94A1-47CEF3361CB4}"/>
+                </a:ext>
+              </a:extLst>
+            </p:cNvPr>
+            <p:cNvPicPr>
+              <a:picLocks noChangeAspect="1" noChangeArrowheads="1"/>
+            </p:cNvPicPr>
+            <p:nvPr/>
+          </p:nvPicPr>
+          <p:blipFill>
+            <a:blip r:embed="rId11">
+              <a:extLst>
+                <a:ext uri="{96DAC541-7B7A-43D3-8B79-37D633B846F1}">
+                  <asvg:svgBlip xmlns:asvg="http://schemas.microsoft.com/office/drawing/2016/SVG/main" r:embed="rId12"/>
+                </a:ext>
+              </a:extLst>
+            </a:blip>
+            <a:srcRect/>
+            <a:stretch/>
+          </p:blipFill>
+          <p:spPr bwMode="auto">
+            <a:xfrm flipH="1">
+              <a:off x="4688761" y="4032003"/>
+              <a:ext cx="469900" cy="469900"/>
+            </a:xfrm>
+            <a:prstGeom prst="rect">
+              <a:avLst/>
+            </a:prstGeom>
+            <a:noFill/>
+            <a:ln>
+              <a:noFill/>
+            </a:ln>
+            <a:extLst>
+              <a:ext uri="{909E8E84-426E-40DD-AFC4-6F175D3DCCD1}">
+                <a14:hiddenFill xmlns:a14="http://schemas.microsoft.com/office/drawing/2010/main">
+                  <a:solidFill>
+                    <a:srgbClr val="FFFFFF"/>
+                  </a:solidFill>
+                </a14:hiddenFill>
+              </a:ext>
+              <a:ext uri="{91240B29-F687-4F45-9708-019B960494DF}">
+                <a14:hiddenLine xmlns:a14="http://schemas.microsoft.com/office/drawing/2010/main" w="9525">
+                  <a:solidFill>
+                    <a:srgbClr val="000000"/>
+                  </a:solidFill>
+                  <a:miter lim="800000"/>
+                  <a:headEnd/>
+                  <a:tailEnd/>
+                </a14:hiddenLine>
+              </a:ext>
+            </a:extLst>
+          </p:spPr>
+        </p:pic>
+        <p:sp>
+          <p:nvSpPr>
+            <p:cNvPr id="60" name="TextBox 40">
+              <a:extLst>
+                <a:ext uri="{FF2B5EF4-FFF2-40B4-BE49-F238E27FC236}">
+                  <a16:creationId xmlns:a16="http://schemas.microsoft.com/office/drawing/2014/main" id="{6D4EF4C2-0F2C-4892-B428-48F1EA685110}"/>
+                </a:ext>
+              </a:extLst>
+            </p:cNvPr>
+            <p:cNvSpPr txBox="1">
+              <a:spLocks noChangeArrowheads="1"/>
+            </p:cNvSpPr>
+            <p:nvPr/>
+          </p:nvSpPr>
+          <p:spPr bwMode="auto">
+            <a:xfrm>
+              <a:off x="4387136" y="4603503"/>
+              <a:ext cx="1073150" cy="261610"/>
+            </a:xfrm>
+            <a:prstGeom prst="rect">
+              <a:avLst/>
+            </a:prstGeom>
+            <a:noFill/>
+            <a:ln>
+              <a:noFill/>
+            </a:ln>
+            <a:extLst>
+              <a:ext uri="{909E8E84-426E-40DD-AFC4-6F175D3DCCD1}">
+                <a14:hiddenFill xmlns:a14="http://schemas.microsoft.com/office/drawing/2010/main">
+                  <a:solidFill>
+                    <a:srgbClr val="FFFFFF"/>
+                  </a:solidFill>
+                </a14:hiddenFill>
+              </a:ext>
+              <a:ext uri="{91240B29-F687-4F45-9708-019B960494DF}">
+                <a14:hiddenLine xmlns:a14="http://schemas.microsoft.com/office/drawing/2010/main" w="9525">
+                  <a:solidFill>
+                    <a:srgbClr val="000000"/>
+                  </a:solidFill>
+                  <a:miter lim="800000"/>
+                  <a:headEnd/>
+                  <a:tailEnd/>
+                </a14:hiddenLine>
+              </a:ext>
+            </a:extLst>
+          </p:spPr>
+          <p:txBody>
+            <a:bodyPr>
+              <a:spAutoFit/>
+            </a:bodyPr>
+            <a:lstStyle>
+              <a:lvl1pPr>
+                <a:defRPr>
+                  <a:solidFill>
+                    <a:schemeClr val="tx1"/>
+                  </a:solidFill>
+                  <a:latin typeface="Calibri" panose="020F0502020204030204" pitchFamily="34" charset="0"/>
+                </a:defRPr>
+              </a:lvl1pPr>
+              <a:lvl2pPr marL="742950" indent="-285750">
+                <a:defRPr>
+                  <a:solidFill>
+                    <a:schemeClr val="tx1"/>
+                  </a:solidFill>
+                  <a:latin typeface="Calibri" panose="020F0502020204030204" pitchFamily="34" charset="0"/>
+                </a:defRPr>
+              </a:lvl2pPr>
+              <a:lvl3pPr marL="1143000" indent="-228600">
+                <a:defRPr>
+                  <a:solidFill>
+                    <a:schemeClr val="tx1"/>
+                  </a:solidFill>
+                  <a:latin typeface="Calibri" panose="020F0502020204030204" pitchFamily="34" charset="0"/>
+                </a:defRPr>
+              </a:lvl3pPr>
+              <a:lvl4pPr marL="1600200" indent="-228600">
+                <a:defRPr>
+                  <a:solidFill>
+                    <a:schemeClr val="tx1"/>
+                  </a:solidFill>
+                  <a:latin typeface="Calibri" panose="020F0502020204030204" pitchFamily="34" charset="0"/>
+                </a:defRPr>
+              </a:lvl4pPr>
+              <a:lvl5pPr marL="2057400" indent="-228600">
+                <a:defRPr>
+                  <a:solidFill>
+                    <a:schemeClr val="tx1"/>
+                  </a:solidFill>
+                  <a:latin typeface="Calibri" panose="020F0502020204030204" pitchFamily="34" charset="0"/>
+                </a:defRPr>
+              </a:lvl5pPr>
+              <a:lvl6pPr marL="2514600" indent="-228600" eaLnBrk="0" fontAlgn="base" hangingPunct="0">
+                <a:spcBef>
+                  <a:spcPct val="0"/>
+                </a:spcBef>
+                <a:spcAft>
+                  <a:spcPct val="0"/>
+                </a:spcAft>
+                <a:defRPr>
+                  <a:solidFill>
+                    <a:schemeClr val="tx1"/>
+                  </a:solidFill>
+                  <a:latin typeface="Calibri" panose="020F0502020204030204" pitchFamily="34" charset="0"/>
+                </a:defRPr>
+              </a:lvl6pPr>
+              <a:lvl7pPr marL="2971800" indent="-228600" eaLnBrk="0" fontAlgn="base" hangingPunct="0">
+                <a:spcBef>
+                  <a:spcPct val="0"/>
+                </a:spcBef>
+                <a:spcAft>
+                  <a:spcPct val="0"/>
+                </a:spcAft>
+                <a:defRPr>
+                  <a:solidFill>
+                    <a:schemeClr val="tx1"/>
+                  </a:solidFill>
+                  <a:latin typeface="Calibri" panose="020F0502020204030204" pitchFamily="34" charset="0"/>
+                </a:defRPr>
+              </a:lvl7pPr>
+              <a:lvl8pPr marL="3429000" indent="-228600" eaLnBrk="0" fontAlgn="base" hangingPunct="0">
+                <a:spcBef>
+                  <a:spcPct val="0"/>
+                </a:spcBef>
+                <a:spcAft>
+                  <a:spcPct val="0"/>
+                </a:spcAft>
+                <a:defRPr>
+                  <a:solidFill>
+                    <a:schemeClr val="tx1"/>
+                  </a:solidFill>
+                  <a:latin typeface="Calibri" panose="020F0502020204030204" pitchFamily="34" charset="0"/>
+                </a:defRPr>
+              </a:lvl8pPr>
+              <a:lvl9pPr marL="3886200" indent="-228600" eaLnBrk="0" fontAlgn="base" hangingPunct="0">
+                <a:spcBef>
+                  <a:spcPct val="0"/>
+                </a:spcBef>
+                <a:spcAft>
+                  <a:spcPct val="0"/>
+                </a:spcAft>
+                <a:defRPr>
+                  <a:solidFill>
+                    <a:schemeClr val="tx1"/>
+                  </a:solidFill>
+                  <a:latin typeface="Calibri" panose="020F0502020204030204" pitchFamily="34" charset="0"/>
+                </a:defRPr>
+              </a:lvl9pPr>
+            </a:lstStyle>
+            <a:p>
+              <a:pPr algn="ctr" eaLnBrk="1" hangingPunct="1"/>
+              <a:r>
+                <a:rPr lang="en-US" altLang="en-US" sz="1100" dirty="0">
+                  <a:solidFill>
+                    <a:srgbClr val="000000"/>
+                  </a:solidFill>
+                  <a:latin typeface="Arial" panose="020B0604020202020204" pitchFamily="34" charset="0"/>
+                  <a:cs typeface="Arial" panose="020B0604020202020204" pitchFamily="34" charset="0"/>
+                </a:rPr>
+                <a:t>Approval</a:t>
+              </a:r>
+            </a:p>
+          </p:txBody>
+        </p:sp>
+      </p:grpSp>
+      <p:cxnSp>
+        <p:nvCxnSpPr>
+          <p:cNvPr id="67" name="Straight Arrow Connector 66">
+            <a:extLst>
+              <a:ext uri="{FF2B5EF4-FFF2-40B4-BE49-F238E27FC236}">
+                <a16:creationId xmlns:a16="http://schemas.microsoft.com/office/drawing/2014/main" id="{1587DDA7-435F-424F-AEC7-A5DCD67C4FB7}"/>
+              </a:ext>
+            </a:extLst>
+          </p:cNvPr>
+          <p:cNvCxnSpPr>
+            <a:cxnSpLocks/>
+            <a:stCxn id="58" idx="1"/>
+            <a:endCxn id="87" idx="1"/>
+          </p:cNvCxnSpPr>
+          <p:nvPr/>
+        </p:nvCxnSpPr>
+        <p:spPr>
+          <a:xfrm>
+            <a:off x="8787228" y="5124460"/>
+            <a:ext cx="418176" cy="6690"/>
+          </a:xfrm>
+          <a:prstGeom prst="straightConnector1">
+            <a:avLst/>
+          </a:prstGeom>
+          <a:ln w="12700">
+            <a:solidFill>
+              <a:srgbClr val="545B64"/>
+            </a:solidFill>
+            <a:headEnd type="none" w="med" len="sm"/>
+            <a:tailEnd type="arrow" w="med" len="sm"/>
+          </a:ln>
+        </p:spPr>
+        <p:style>
+          <a:lnRef idx="1">
+            <a:schemeClr val="accent1"/>
+          </a:lnRef>
+          <a:fillRef idx="0">
+            <a:schemeClr val="accent1"/>
+          </a:fillRef>
+          <a:effectRef idx="0">
+            <a:schemeClr val="accent1"/>
+          </a:effectRef>
+          <a:fontRef idx="minor">
+            <a:schemeClr val="tx1"/>
+          </a:fontRef>
+        </p:style>
+      </p:cxnSp>
     </p:spTree>
     <p:extLst>
       <p:ext uri="{BB962C8B-B14F-4D97-AF65-F5344CB8AC3E}">
@@ -7329,21 +7618,6 @@
 </file>
 
 <file path=customXml/item1.xml><?xml version="1.0" encoding="utf-8"?>
-<p:properties xmlns:p="http://schemas.microsoft.com/office/2006/metadata/properties" xmlns:xsi="http://www.w3.org/2001/XMLSchema-instance" xmlns:pc="http://schemas.microsoft.com/office/infopath/2007/PartnerControls">
-  <documentManagement/>
-</p:properties>
-</file>
-
-<file path=customXml/item2.xml><?xml version="1.0" encoding="utf-8"?>
-<?mso-contentType ?>
-<FormTemplates xmlns="http://schemas.microsoft.com/sharepoint/v3/contenttype/forms">
-  <Display>DocumentLibraryForm</Display>
-  <Edit>DocumentLibraryForm</Edit>
-  <New>DocumentLibraryForm</New>
-</FormTemplates>
-</file>
-
-<file path=customXml/item3.xml><?xml version="1.0" encoding="utf-8"?>
 <ct:contentTypeSchema xmlns:ct="http://schemas.microsoft.com/office/2006/metadata/contentType" xmlns:ma="http://schemas.microsoft.com/office/2006/metadata/properties/metaAttributes" ct:_="" ma:_="" ma:contentTypeName="Document" ma:contentTypeID="0x010100B9164D0292C4EC49BC72A7649FBCFFB0" ma:contentTypeVersion="5" ma:contentTypeDescription="Create a new document." ma:contentTypeScope="" ma:versionID="8bee412bdbd6b26e1ebae4b3db9e212b">
   <xsd:schema xmlns:xsd="http://www.w3.org/2001/XMLSchema" xmlns:xs="http://www.w3.org/2001/XMLSchema" xmlns:p="http://schemas.microsoft.com/office/2006/metadata/properties" xmlns:ns3="b2084ec3-c968-4a7f-8482-609be7bf283b" xmlns:ns4="2d0ff5b2-f4e7-415a-8fa3-79ee98aad041" targetNamespace="http://schemas.microsoft.com/office/2006/metadata/properties" ma:root="true" ma:fieldsID="881b45ebc68d80a30b40a45212ad74f2" ns3:_="" ns4:_="">
     <xsd:import namespace="b2084ec3-c968-4a7f-8482-609be7bf283b"/>
@@ -7514,32 +7788,22 @@
 </ct:contentTypeSchema>
 </file>
 
-<file path=customXml/itemProps1.xml><?xml version="1.0" encoding="utf-8"?>
-<ds:datastoreItem xmlns:ds="http://schemas.openxmlformats.org/officeDocument/2006/customXml" ds:itemID="{322F4EE9-9C18-4459-A2FE-AB6C323A3FB1}">
-  <ds:schemaRefs>
-    <ds:schemaRef ds:uri="http://www.w3.org/XML/1998/namespace"/>
-    <ds:schemaRef ds:uri="http://schemas.microsoft.com/office/2006/documentManagement/types"/>
-    <ds:schemaRef ds:uri="http://purl.org/dc/elements/1.1/"/>
-    <ds:schemaRef ds:uri="http://purl.org/dc/terms/"/>
-    <ds:schemaRef ds:uri="2d0ff5b2-f4e7-415a-8fa3-79ee98aad041"/>
-    <ds:schemaRef ds:uri="http://schemas.microsoft.com/office/infopath/2007/PartnerControls"/>
-    <ds:schemaRef ds:uri="http://schemas.openxmlformats.org/package/2006/metadata/core-properties"/>
-    <ds:schemaRef ds:uri="b2084ec3-c968-4a7f-8482-609be7bf283b"/>
-    <ds:schemaRef ds:uri="http://schemas.microsoft.com/office/2006/metadata/properties"/>
-    <ds:schemaRef ds:uri="http://purl.org/dc/dcmitype/"/>
-  </ds:schemaRefs>
-</ds:datastoreItem>
+<file path=customXml/item2.xml><?xml version="1.0" encoding="utf-8"?>
+<?mso-contentType ?>
+<FormTemplates xmlns="http://schemas.microsoft.com/sharepoint/v3/contenttype/forms">
+  <Display>DocumentLibraryForm</Display>
+  <Edit>DocumentLibraryForm</Edit>
+  <New>DocumentLibraryForm</New>
+</FormTemplates>
 </file>
 
-<file path=customXml/itemProps2.xml><?xml version="1.0" encoding="utf-8"?>
-<ds:datastoreItem xmlns:ds="http://schemas.openxmlformats.org/officeDocument/2006/customXml" ds:itemID="{7524E348-07C7-4EDB-A3E8-E591267A3084}">
-  <ds:schemaRefs>
-    <ds:schemaRef ds:uri="http://schemas.microsoft.com/sharepoint/v3/contenttype/forms"/>
-  </ds:schemaRefs>
-</ds:datastoreItem>
+<file path=customXml/item3.xml><?xml version="1.0" encoding="utf-8"?>
+<p:properties xmlns:p="http://schemas.microsoft.com/office/2006/metadata/properties" xmlns:xsi="http://www.w3.org/2001/XMLSchema-instance" xmlns:pc="http://schemas.microsoft.com/office/infopath/2007/PartnerControls">
+  <documentManagement/>
+</p:properties>
 </file>
 
-<file path=customXml/itemProps3.xml><?xml version="1.0" encoding="utf-8"?>
+<file path=customXml/itemProps1.xml><?xml version="1.0" encoding="utf-8"?>
 <ds:datastoreItem xmlns:ds="http://schemas.openxmlformats.org/officeDocument/2006/customXml" ds:itemID="{20730512-B94D-45C6-8525-DC0E09B9504A}">
   <ds:schemaRefs>
     <ds:schemaRef ds:uri="http://schemas.microsoft.com/office/2006/metadata/contentType"/>
@@ -7556,4 +7820,29 @@
     <ds:schemaRef ds:uri="http://schemas.microsoft.com/internal/obd"/>
   </ds:schemaRefs>
 </ds:datastoreItem>
+</file>
+
+<file path=customXml/itemProps2.xml><?xml version="1.0" encoding="utf-8"?>
+<ds:datastoreItem xmlns:ds="http://schemas.openxmlformats.org/officeDocument/2006/customXml" ds:itemID="{7524E348-07C7-4EDB-A3E8-E591267A3084}">
+  <ds:schemaRefs>
+    <ds:schemaRef ds:uri="http://schemas.microsoft.com/sharepoint/v3/contenttype/forms"/>
+  </ds:schemaRefs>
+</ds:datastoreItem>
+</file>
+
+<file path=customXml/itemProps3.xml><?xml version="1.0" encoding="utf-8"?>
+<ds:datastoreItem xmlns:ds="http://schemas.openxmlformats.org/officeDocument/2006/customXml" ds:itemID="{322F4EE9-9C18-4459-A2FE-AB6C323A3FB1}">
+  <ds:schemaRefs>
+    <ds:schemaRef ds:uri="http://www.w3.org/XML/1998/namespace"/>
+    <ds:schemaRef ds:uri="http://schemas.microsoft.com/office/2006/documentManagement/types"/>
+    <ds:schemaRef ds:uri="http://purl.org/dc/elements/1.1/"/>
+    <ds:schemaRef ds:uri="http://purl.org/dc/terms/"/>
+    <ds:schemaRef ds:uri="2d0ff5b2-f4e7-415a-8fa3-79ee98aad041"/>
+    <ds:schemaRef ds:uri="http://schemas.microsoft.com/office/infopath/2007/PartnerControls"/>
+    <ds:schemaRef ds:uri="http://schemas.openxmlformats.org/package/2006/metadata/core-properties"/>
+    <ds:schemaRef ds:uri="b2084ec3-c968-4a7f-8482-609be7bf283b"/>
+    <ds:schemaRef ds:uri="http://schemas.microsoft.com/office/2006/metadata/properties"/>
+    <ds:schemaRef ds:uri="http://purl.org/dc/dcmitype/"/>
+  </ds:schemaRefs>
+</ds:datastoreItem>
 </file>
--- a/CodePipeline-CodeBuild-CloudFormation/Liquibase Pro and AWS CodePipeline.pptx
+++ b/CodePipeline-CodeBuild-CloudFormation/Liquibase Pro and AWS CodePipeline.pptx
@@ -6348,7 +6348,7 @@
                   <a:latin typeface="Arial" panose="020B0604020202020204" pitchFamily="34" charset="0"/>
                   <a:cs typeface="Arial" panose="020B0604020202020204" pitchFamily="34" charset="0"/>
                 </a:rPr>
-                <a:t>Development</a:t>
+                <a:t>Test</a:t>
               </a:r>
             </a:p>
           </p:txBody>
@@ -6674,15 +6674,22 @@
                 <a:defRPr/>
               </a:pPr>
               <a:r>
-                <a:rPr lang="en-US" sz="1200" dirty="0">
+                <a:rPr lang="en-US" sz="1200">
                   <a:solidFill>
                     <a:schemeClr val="tx1"/>
                   </a:solidFill>
                   <a:latin typeface="Arial" panose="020B0604020202020204" pitchFamily="34" charset="0"/>
                   <a:cs typeface="Arial" panose="020B0604020202020204" pitchFamily="34" charset="0"/>
                 </a:rPr>
-                <a:t>Test</a:t>
+                <a:t>Staging</a:t>
               </a:r>
+              <a:endParaRPr lang="en-US" sz="1200" dirty="0">
+                <a:solidFill>
+                  <a:schemeClr val="tx1"/>
+                </a:solidFill>
+                <a:latin typeface="Arial" panose="020B0604020202020204" pitchFamily="34" charset="0"/>
+                <a:cs typeface="Arial" panose="020B0604020202020204" pitchFamily="34" charset="0"/>
+              </a:endParaRPr>
             </a:p>
           </p:txBody>
         </p:sp>
@@ -7618,6 +7625,21 @@
 </file>
 
 <file path=customXml/item1.xml><?xml version="1.0" encoding="utf-8"?>
+<p:properties xmlns:p="http://schemas.microsoft.com/office/2006/metadata/properties" xmlns:xsi="http://www.w3.org/2001/XMLSchema-instance" xmlns:pc="http://schemas.microsoft.com/office/infopath/2007/PartnerControls">
+  <documentManagement/>
+</p:properties>
+</file>
+
+<file path=customXml/item2.xml><?xml version="1.0" encoding="utf-8"?>
+<?mso-contentType ?>
+<FormTemplates xmlns="http://schemas.microsoft.com/sharepoint/v3/contenttype/forms">
+  <Display>DocumentLibraryForm</Display>
+  <Edit>DocumentLibraryForm</Edit>
+  <New>DocumentLibraryForm</New>
+</FormTemplates>
+</file>
+
+<file path=customXml/item3.xml><?xml version="1.0" encoding="utf-8"?>
 <ct:contentTypeSchema xmlns:ct="http://schemas.microsoft.com/office/2006/metadata/contentType" xmlns:ma="http://schemas.microsoft.com/office/2006/metadata/properties/metaAttributes" ct:_="" ma:_="" ma:contentTypeName="Document" ma:contentTypeID="0x010100B9164D0292C4EC49BC72A7649FBCFFB0" ma:contentTypeVersion="5" ma:contentTypeDescription="Create a new document." ma:contentTypeScope="" ma:versionID="8bee412bdbd6b26e1ebae4b3db9e212b">
   <xsd:schema xmlns:xsd="http://www.w3.org/2001/XMLSchema" xmlns:xs="http://www.w3.org/2001/XMLSchema" xmlns:p="http://schemas.microsoft.com/office/2006/metadata/properties" xmlns:ns3="b2084ec3-c968-4a7f-8482-609be7bf283b" xmlns:ns4="2d0ff5b2-f4e7-415a-8fa3-79ee98aad041" targetNamespace="http://schemas.microsoft.com/office/2006/metadata/properties" ma:root="true" ma:fieldsID="881b45ebc68d80a30b40a45212ad74f2" ns3:_="" ns4:_="">
     <xsd:import namespace="b2084ec3-c968-4a7f-8482-609be7bf283b"/>
@@ -7788,22 +7810,32 @@
 </ct:contentTypeSchema>
 </file>
 
-<file path=customXml/item2.xml><?xml version="1.0" encoding="utf-8"?>
-<?mso-contentType ?>
-<FormTemplates xmlns="http://schemas.microsoft.com/sharepoint/v3/contenttype/forms">
-  <Display>DocumentLibraryForm</Display>
-  <Edit>DocumentLibraryForm</Edit>
-  <New>DocumentLibraryForm</New>
-</FormTemplates>
+<file path=customXml/itemProps1.xml><?xml version="1.0" encoding="utf-8"?>
+<ds:datastoreItem xmlns:ds="http://schemas.openxmlformats.org/officeDocument/2006/customXml" ds:itemID="{322F4EE9-9C18-4459-A2FE-AB6C323A3FB1}">
+  <ds:schemaRefs>
+    <ds:schemaRef ds:uri="http://www.w3.org/XML/1998/namespace"/>
+    <ds:schemaRef ds:uri="http://schemas.microsoft.com/office/2006/documentManagement/types"/>
+    <ds:schemaRef ds:uri="http://purl.org/dc/elements/1.1/"/>
+    <ds:schemaRef ds:uri="http://purl.org/dc/terms/"/>
+    <ds:schemaRef ds:uri="2d0ff5b2-f4e7-415a-8fa3-79ee98aad041"/>
+    <ds:schemaRef ds:uri="http://schemas.microsoft.com/office/infopath/2007/PartnerControls"/>
+    <ds:schemaRef ds:uri="http://schemas.openxmlformats.org/package/2006/metadata/core-properties"/>
+    <ds:schemaRef ds:uri="b2084ec3-c968-4a7f-8482-609be7bf283b"/>
+    <ds:schemaRef ds:uri="http://schemas.microsoft.com/office/2006/metadata/properties"/>
+    <ds:schemaRef ds:uri="http://purl.org/dc/dcmitype/"/>
+  </ds:schemaRefs>
+</ds:datastoreItem>
 </file>
 
-<file path=customXml/item3.xml><?xml version="1.0" encoding="utf-8"?>
-<p:properties xmlns:p="http://schemas.microsoft.com/office/2006/metadata/properties" xmlns:xsi="http://www.w3.org/2001/XMLSchema-instance" xmlns:pc="http://schemas.microsoft.com/office/infopath/2007/PartnerControls">
-  <documentManagement/>
-</p:properties>
+<file path=customXml/itemProps2.xml><?xml version="1.0" encoding="utf-8"?>
+<ds:datastoreItem xmlns:ds="http://schemas.openxmlformats.org/officeDocument/2006/customXml" ds:itemID="{7524E348-07C7-4EDB-A3E8-E591267A3084}">
+  <ds:schemaRefs>
+    <ds:schemaRef ds:uri="http://schemas.microsoft.com/sharepoint/v3/contenttype/forms"/>
+  </ds:schemaRefs>
+</ds:datastoreItem>
 </file>
 
-<file path=customXml/itemProps1.xml><?xml version="1.0" encoding="utf-8"?>
+<file path=customXml/itemProps3.xml><?xml version="1.0" encoding="utf-8"?>
 <ds:datastoreItem xmlns:ds="http://schemas.openxmlformats.org/officeDocument/2006/customXml" ds:itemID="{20730512-B94D-45C6-8525-DC0E09B9504A}">
   <ds:schemaRefs>
     <ds:schemaRef ds:uri="http://schemas.microsoft.com/office/2006/metadata/contentType"/>
@@ -7820,29 +7852,4 @@
     <ds:schemaRef ds:uri="http://schemas.microsoft.com/internal/obd"/>
   </ds:schemaRefs>
 </ds:datastoreItem>
-</file>
-
-<file path=customXml/itemProps2.xml><?xml version="1.0" encoding="utf-8"?>
-<ds:datastoreItem xmlns:ds="http://schemas.openxmlformats.org/officeDocument/2006/customXml" ds:itemID="{7524E348-07C7-4EDB-A3E8-E591267A3084}">
-  <ds:schemaRefs>
-    <ds:schemaRef ds:uri="http://schemas.microsoft.com/sharepoint/v3/contenttype/forms"/>
-  </ds:schemaRefs>
-</ds:datastoreItem>
-</file>
-
-<file path=customXml/itemProps3.xml><?xml version="1.0" encoding="utf-8"?>
-<ds:datastoreItem xmlns:ds="http://schemas.openxmlformats.org/officeDocument/2006/customXml" ds:itemID="{322F4EE9-9C18-4459-A2FE-AB6C323A3FB1}">
-  <ds:schemaRefs>
-    <ds:schemaRef ds:uri="http://www.w3.org/XML/1998/namespace"/>
-    <ds:schemaRef ds:uri="http://schemas.microsoft.com/office/2006/documentManagement/types"/>
-    <ds:schemaRef ds:uri="http://purl.org/dc/elements/1.1/"/>
-    <ds:schemaRef ds:uri="http://purl.org/dc/terms/"/>
-    <ds:schemaRef ds:uri="2d0ff5b2-f4e7-415a-8fa3-79ee98aad041"/>
-    <ds:schemaRef ds:uri="http://schemas.microsoft.com/office/infopath/2007/PartnerControls"/>
-    <ds:schemaRef ds:uri="http://schemas.openxmlformats.org/package/2006/metadata/core-properties"/>
-    <ds:schemaRef ds:uri="b2084ec3-c968-4a7f-8482-609be7bf283b"/>
-    <ds:schemaRef ds:uri="http://schemas.microsoft.com/office/2006/metadata/properties"/>
-    <ds:schemaRef ds:uri="http://purl.org/dc/dcmitype/"/>
-  </ds:schemaRefs>
-</ds:datastoreItem>
 </file>
--- a/CodePipeline-CodeBuild-CloudFormation/Liquibase Pro and AWS CodePipeline.pptx
+++ b/CodePipeline-CodeBuild-CloudFormation/Liquibase Pro and AWS CodePipeline.pptx
@@ -259,7 +259,7 @@
           <a:p>
             <a:fld id="{872669AC-6ABE-4303-8D92-11EED03D4035}" type="datetimeFigureOut">
               <a:rPr lang="en-US" smtClean="0"/>
-              <a:t>9/16/2021</a:t>
+              <a:t>12/20/21</a:t>
             </a:fld>
             <a:endParaRPr lang="en-US"/>
           </a:p>
@@ -457,7 +457,7 @@
           <a:p>
             <a:fld id="{872669AC-6ABE-4303-8D92-11EED03D4035}" type="datetimeFigureOut">
               <a:rPr lang="en-US" smtClean="0"/>
-              <a:t>9/16/2021</a:t>
+              <a:t>12/20/21</a:t>
             </a:fld>
             <a:endParaRPr lang="en-US"/>
           </a:p>
@@ -665,7 +665,7 @@
           <a:p>
             <a:fld id="{872669AC-6ABE-4303-8D92-11EED03D4035}" type="datetimeFigureOut">
               <a:rPr lang="en-US" smtClean="0"/>
-              <a:t>9/16/2021</a:t>
+              <a:t>12/20/21</a:t>
             </a:fld>
             <a:endParaRPr lang="en-US"/>
           </a:p>
@@ -863,7 +863,7 @@
           <a:p>
             <a:fld id="{872669AC-6ABE-4303-8D92-11EED03D4035}" type="datetimeFigureOut">
               <a:rPr lang="en-US" smtClean="0"/>
-              <a:t>9/16/2021</a:t>
+              <a:t>12/20/21</a:t>
             </a:fld>
             <a:endParaRPr lang="en-US"/>
           </a:p>
@@ -1138,7 +1138,7 @@
           <a:p>
             <a:fld id="{872669AC-6ABE-4303-8D92-11EED03D4035}" type="datetimeFigureOut">
               <a:rPr lang="en-US" smtClean="0"/>
-              <a:t>9/16/2021</a:t>
+              <a:t>12/20/21</a:t>
             </a:fld>
             <a:endParaRPr lang="en-US"/>
           </a:p>
@@ -1403,7 +1403,7 @@
           <a:p>
             <a:fld id="{872669AC-6ABE-4303-8D92-11EED03D4035}" type="datetimeFigureOut">
               <a:rPr lang="en-US" smtClean="0"/>
-              <a:t>9/16/2021</a:t>
+              <a:t>12/20/21</a:t>
             </a:fld>
             <a:endParaRPr lang="en-US"/>
           </a:p>
@@ -1815,7 +1815,7 @@
           <a:p>
             <a:fld id="{872669AC-6ABE-4303-8D92-11EED03D4035}" type="datetimeFigureOut">
               <a:rPr lang="en-US" smtClean="0"/>
-              <a:t>9/16/2021</a:t>
+              <a:t>12/20/21</a:t>
             </a:fld>
             <a:endParaRPr lang="en-US"/>
           </a:p>
@@ -1956,7 +1956,7 @@
           <a:p>
             <a:fld id="{872669AC-6ABE-4303-8D92-11EED03D4035}" type="datetimeFigureOut">
               <a:rPr lang="en-US" smtClean="0"/>
-              <a:t>9/16/2021</a:t>
+              <a:t>12/20/21</a:t>
             </a:fld>
             <a:endParaRPr lang="en-US"/>
           </a:p>
@@ -2069,7 +2069,7 @@
           <a:p>
             <a:fld id="{872669AC-6ABE-4303-8D92-11EED03D4035}" type="datetimeFigureOut">
               <a:rPr lang="en-US" smtClean="0"/>
-              <a:t>9/16/2021</a:t>
+              <a:t>12/20/21</a:t>
             </a:fld>
             <a:endParaRPr lang="en-US"/>
           </a:p>
@@ -2380,7 +2380,7 @@
           <a:p>
             <a:fld id="{872669AC-6ABE-4303-8D92-11EED03D4035}" type="datetimeFigureOut">
               <a:rPr lang="en-US" smtClean="0"/>
-              <a:t>9/16/2021</a:t>
+              <a:t>12/20/21</a:t>
             </a:fld>
             <a:endParaRPr lang="en-US"/>
           </a:p>
@@ -2668,7 +2668,7 @@
           <a:p>
             <a:fld id="{872669AC-6ABE-4303-8D92-11EED03D4035}" type="datetimeFigureOut">
               <a:rPr lang="en-US" smtClean="0"/>
-              <a:t>9/16/2021</a:t>
+              <a:t>12/20/21</a:t>
             </a:fld>
             <a:endParaRPr lang="en-US"/>
           </a:p>
@@ -2909,7 +2909,7 @@
           <a:p>
             <a:fld id="{872669AC-6ABE-4303-8D92-11EED03D4035}" type="datetimeFigureOut">
               <a:rPr lang="en-US" smtClean="0"/>
-              <a:t>9/16/2021</a:t>
+              <a:t>12/20/21</a:t>
             </a:fld>
             <a:endParaRPr lang="en-US"/>
           </a:p>
@@ -3340,8 +3340,8 @@
         </p:nvGrpSpPr>
         <p:grpSpPr>
           <a:xfrm>
-            <a:off x="3912692" y="616254"/>
-            <a:ext cx="2243137" cy="1038999"/>
+            <a:off x="4051264" y="704668"/>
+            <a:ext cx="1971757" cy="862460"/>
             <a:chOff x="2249488" y="1184275"/>
             <a:chExt cx="2243137" cy="1038999"/>
           </a:xfrm>
@@ -3582,7 +3582,7 @@
         </p:nvGrpSpPr>
         <p:grpSpPr>
           <a:xfrm>
-            <a:off x="6211055" y="607825"/>
+            <a:off x="6211055" y="637642"/>
             <a:ext cx="2243137" cy="1040586"/>
             <a:chOff x="2249488" y="1182688"/>
             <a:chExt cx="2243137" cy="1040586"/>
@@ -3824,7 +3824,7 @@
         </p:nvGrpSpPr>
         <p:grpSpPr>
           <a:xfrm>
-            <a:off x="9271415" y="2488890"/>
+            <a:off x="9271415" y="2508768"/>
             <a:ext cx="2239962" cy="1225252"/>
             <a:chOff x="2249488" y="1182688"/>
             <a:chExt cx="2239962" cy="1225252"/>
@@ -4170,8 +4170,8 @@
         </p:nvGrpSpPr>
         <p:grpSpPr>
           <a:xfrm>
-            <a:off x="1715544" y="530497"/>
-            <a:ext cx="2292350" cy="3145438"/>
+            <a:off x="1833086" y="845987"/>
+            <a:ext cx="1632977" cy="2492687"/>
             <a:chOff x="3477211" y="500451"/>
             <a:chExt cx="2292350" cy="3145438"/>
           </a:xfrm>
@@ -4730,10 +4730,10 @@
       </p:grpSp>
       <p:grpSp>
         <p:nvGrpSpPr>
-          <p:cNvPr id="32" name="Group 31">
-            <a:extLst>
-              <a:ext uri="{FF2B5EF4-FFF2-40B4-BE49-F238E27FC236}">
-                <a16:creationId xmlns:a16="http://schemas.microsoft.com/office/drawing/2014/main" id="{7C39C279-6E66-4CCD-9589-B191AF325A22}"/>
+          <p:cNvPr id="19" name="Group 18">
+            <a:extLst>
+              <a:ext uri="{FF2B5EF4-FFF2-40B4-BE49-F238E27FC236}">
+                <a16:creationId xmlns:a16="http://schemas.microsoft.com/office/drawing/2014/main" id="{EFD160CB-4724-4839-A801-EAE923AF17FA}"/>
               </a:ext>
             </a:extLst>
           </p:cNvPr>
@@ -4742,378 +4742,321 @@
         </p:nvGrpSpPr>
         <p:grpSpPr>
           <a:xfrm>
-            <a:off x="5466849" y="2036217"/>
-            <a:ext cx="3601625" cy="1697578"/>
-            <a:chOff x="8280405" y="2750980"/>
-            <a:chExt cx="3601625" cy="1697578"/>
+            <a:off x="5466849" y="2498720"/>
+            <a:ext cx="2292350" cy="1038999"/>
+            <a:chOff x="4487863" y="1184275"/>
+            <a:chExt cx="2292350" cy="1038999"/>
           </a:xfrm>
         </p:grpSpPr>
-        <p:grpSp>
-          <p:nvGrpSpPr>
-            <p:cNvPr id="19" name="Group 18">
+        <p:pic>
+          <p:nvPicPr>
+            <p:cNvPr id="17" name="Graphic 19">
               <a:extLst>
                 <a:ext uri="{FF2B5EF4-FFF2-40B4-BE49-F238E27FC236}">
-                  <a16:creationId xmlns:a16="http://schemas.microsoft.com/office/drawing/2014/main" id="{EFD160CB-4724-4839-A801-EAE923AF17FA}"/>
-                </a:ext>
-              </a:extLst>
-            </p:cNvPr>
-            <p:cNvGrpSpPr/>
-            <p:nvPr/>
-          </p:nvGrpSpPr>
-          <p:grpSpPr>
-            <a:xfrm>
-              <a:off x="8280405" y="3213483"/>
-              <a:ext cx="2292350" cy="1038999"/>
-              <a:chOff x="4487863" y="1184275"/>
-              <a:chExt cx="2292350" cy="1038999"/>
-            </a:xfrm>
-          </p:grpSpPr>
-          <p:pic>
-            <p:nvPicPr>
-              <p:cNvPr id="17" name="Graphic 19">
-                <a:extLst>
-                  <a:ext uri="{FF2B5EF4-FFF2-40B4-BE49-F238E27FC236}">
-                    <a16:creationId xmlns:a16="http://schemas.microsoft.com/office/drawing/2014/main" id="{00EB7345-DD50-428C-9A95-45B218F0F35C}"/>
-                  </a:ext>
-                </a:extLst>
-              </p:cNvPr>
-              <p:cNvPicPr>
-                <a:picLocks noChangeAspect="1" noChangeArrowheads="1"/>
-              </p:cNvPicPr>
-              <p:nvPr/>
-            </p:nvPicPr>
-            <p:blipFill>
-              <a:blip r:embed="rId9">
-                <a:extLst>
-                  <a:ext uri="{28A0092B-C50C-407E-A947-70E740481C1C}">
-                    <a14:useLocalDpi xmlns:a14="http://schemas.microsoft.com/office/drawing/2010/main" val="0"/>
-                  </a:ext>
-                </a:extLst>
-              </a:blip>
-              <a:srcRect/>
-              <a:stretch>
-                <a:fillRect/>
-              </a:stretch>
-            </p:blipFill>
-            <p:spPr bwMode="auto">
-              <a:xfrm>
-                <a:off x="5245100" y="1184275"/>
-                <a:ext cx="762000" cy="762000"/>
-              </a:xfrm>
-              <a:prstGeom prst="rect">
-                <a:avLst/>
-              </a:prstGeom>
-              <a:noFill/>
-              <a:ln>
-                <a:noFill/>
-              </a:ln>
-              <a:extLst>
-                <a:ext uri="{909E8E84-426E-40DD-AFC4-6F175D3DCCD1}">
-                  <a14:hiddenFill xmlns:a14="http://schemas.microsoft.com/office/drawing/2010/main">
-                    <a:solidFill>
-                      <a:srgbClr val="FFFFFF"/>
-                    </a:solidFill>
-                  </a14:hiddenFill>
-                </a:ext>
-                <a:ext uri="{91240B29-F687-4F45-9708-019B960494DF}">
-                  <a14:hiddenLine xmlns:a14="http://schemas.microsoft.com/office/drawing/2010/main" w="9525">
-                    <a:solidFill>
-                      <a:srgbClr val="000000"/>
-                    </a:solidFill>
-                    <a:miter lim="800000"/>
-                    <a:headEnd/>
-                    <a:tailEnd/>
-                  </a14:hiddenLine>
-                </a:ext>
-              </a:extLst>
-            </p:spPr>
-          </p:pic>
-          <p:sp>
-            <p:nvSpPr>
-              <p:cNvPr id="18" name="TextBox 11">
-                <a:extLst>
-                  <a:ext uri="{FF2B5EF4-FFF2-40B4-BE49-F238E27FC236}">
-                    <a16:creationId xmlns:a16="http://schemas.microsoft.com/office/drawing/2014/main" id="{00BEBA8D-6914-49CF-B493-EA4290A43BCB}"/>
-                  </a:ext>
-                </a:extLst>
-              </p:cNvPr>
-              <p:cNvSpPr txBox="1">
-                <a:spLocks noChangeArrowheads="1"/>
-              </p:cNvSpPr>
-              <p:nvPr/>
-            </p:nvSpPr>
-            <p:spPr bwMode="auto">
-              <a:xfrm>
-                <a:off x="4487863" y="1946275"/>
-                <a:ext cx="2292350" cy="276999"/>
-              </a:xfrm>
-              <a:prstGeom prst="rect">
-                <a:avLst/>
-              </a:prstGeom>
-              <a:noFill/>
-              <a:ln>
-                <a:noFill/>
-              </a:ln>
-              <a:extLst>
-                <a:ext uri="{909E8E84-426E-40DD-AFC4-6F175D3DCCD1}">
-                  <a14:hiddenFill xmlns:a14="http://schemas.microsoft.com/office/drawing/2010/main">
-                    <a:solidFill>
-                      <a:srgbClr val="FFFFFF"/>
-                    </a:solidFill>
-                  </a14:hiddenFill>
-                </a:ext>
-                <a:ext uri="{91240B29-F687-4F45-9708-019B960494DF}">
-                  <a14:hiddenLine xmlns:a14="http://schemas.microsoft.com/office/drawing/2010/main" w="9525">
-                    <a:solidFill>
-                      <a:srgbClr val="000000"/>
-                    </a:solidFill>
-                    <a:miter lim="800000"/>
-                    <a:headEnd/>
-                    <a:tailEnd/>
-                  </a14:hiddenLine>
-                </a:ext>
-              </a:extLst>
-            </p:spPr>
-            <p:txBody>
-              <a:bodyPr>
-                <a:spAutoFit/>
-              </a:bodyPr>
-              <a:lstStyle>
-                <a:lvl1pPr>
-                  <a:defRPr>
-                    <a:solidFill>
-                      <a:schemeClr val="tx1"/>
-                    </a:solidFill>
-                    <a:latin typeface="Calibri" panose="020F0502020204030204" pitchFamily="34" charset="0"/>
-                  </a:defRPr>
-                </a:lvl1pPr>
-                <a:lvl2pPr marL="742950" indent="-285750">
-                  <a:defRPr>
-                    <a:solidFill>
-                      <a:schemeClr val="tx1"/>
-                    </a:solidFill>
-                    <a:latin typeface="Calibri" panose="020F0502020204030204" pitchFamily="34" charset="0"/>
-                  </a:defRPr>
-                </a:lvl2pPr>
-                <a:lvl3pPr marL="1143000" indent="-228600">
-                  <a:defRPr>
-                    <a:solidFill>
-                      <a:schemeClr val="tx1"/>
-                    </a:solidFill>
-                    <a:latin typeface="Calibri" panose="020F0502020204030204" pitchFamily="34" charset="0"/>
-                  </a:defRPr>
-                </a:lvl3pPr>
-                <a:lvl4pPr marL="1600200" indent="-228600">
-                  <a:defRPr>
-                    <a:solidFill>
-                      <a:schemeClr val="tx1"/>
-                    </a:solidFill>
-                    <a:latin typeface="Calibri" panose="020F0502020204030204" pitchFamily="34" charset="0"/>
-                  </a:defRPr>
-                </a:lvl4pPr>
-                <a:lvl5pPr marL="2057400" indent="-228600">
-                  <a:defRPr>
-                    <a:solidFill>
-                      <a:schemeClr val="tx1"/>
-                    </a:solidFill>
-                    <a:latin typeface="Calibri" panose="020F0502020204030204" pitchFamily="34" charset="0"/>
-                  </a:defRPr>
-                </a:lvl5pPr>
-                <a:lvl6pPr marL="2514600" indent="-228600" eaLnBrk="0" fontAlgn="base" hangingPunct="0">
-                  <a:spcBef>
-                    <a:spcPct val="0"/>
-                  </a:spcBef>
-                  <a:spcAft>
-                    <a:spcPct val="0"/>
-                  </a:spcAft>
-                  <a:defRPr>
-                    <a:solidFill>
-                      <a:schemeClr val="tx1"/>
-                    </a:solidFill>
-                    <a:latin typeface="Calibri" panose="020F0502020204030204" pitchFamily="34" charset="0"/>
-                  </a:defRPr>
-                </a:lvl6pPr>
-                <a:lvl7pPr marL="2971800" indent="-228600" eaLnBrk="0" fontAlgn="base" hangingPunct="0">
-                  <a:spcBef>
-                    <a:spcPct val="0"/>
-                  </a:spcBef>
-                  <a:spcAft>
-                    <a:spcPct val="0"/>
-                  </a:spcAft>
-                  <a:defRPr>
-                    <a:solidFill>
-                      <a:schemeClr val="tx1"/>
-                    </a:solidFill>
-                    <a:latin typeface="Calibri" panose="020F0502020204030204" pitchFamily="34" charset="0"/>
-                  </a:defRPr>
-                </a:lvl7pPr>
-                <a:lvl8pPr marL="3429000" indent="-228600" eaLnBrk="0" fontAlgn="base" hangingPunct="0">
-                  <a:spcBef>
-                    <a:spcPct val="0"/>
-                  </a:spcBef>
-                  <a:spcAft>
-                    <a:spcPct val="0"/>
-                  </a:spcAft>
-                  <a:defRPr>
-                    <a:solidFill>
-                      <a:schemeClr val="tx1"/>
-                    </a:solidFill>
-                    <a:latin typeface="Calibri" panose="020F0502020204030204" pitchFamily="34" charset="0"/>
-                  </a:defRPr>
-                </a:lvl8pPr>
-                <a:lvl9pPr marL="3886200" indent="-228600" eaLnBrk="0" fontAlgn="base" hangingPunct="0">
-                  <a:spcBef>
-                    <a:spcPct val="0"/>
-                  </a:spcBef>
-                  <a:spcAft>
-                    <a:spcPct val="0"/>
-                  </a:spcAft>
-                  <a:defRPr>
-                    <a:solidFill>
-                      <a:schemeClr val="tx1"/>
-                    </a:solidFill>
-                    <a:latin typeface="Calibri" panose="020F0502020204030204" pitchFamily="34" charset="0"/>
-                  </a:defRPr>
-                </a:lvl9pPr>
-              </a:lstStyle>
-              <a:p>
-                <a:pPr algn="ctr" eaLnBrk="1" hangingPunct="1"/>
-                <a:r>
-                  <a:rPr lang="en-US" altLang="en-US" sz="1200" dirty="0">
-                    <a:latin typeface="Arial" panose="020B0604020202020204" pitchFamily="34" charset="0"/>
-                    <a:ea typeface="Amazon Ember" panose="020B0603020204020204" pitchFamily="34" charset="0"/>
-                    <a:cs typeface="Arial" panose="020B0604020202020204" pitchFamily="34" charset="0"/>
-                  </a:rPr>
-                  <a:t>AWS CodeBuild</a:t>
-                </a:r>
-              </a:p>
-            </p:txBody>
-          </p:sp>
-        </p:grpSp>
-        <p:pic>
-          <p:nvPicPr>
-            <p:cNvPr id="30" name="Picture 29" descr="Logo&#10;&#10;Description automatically generated with medium confidence">
-              <a:extLst>
-                <a:ext uri="{FF2B5EF4-FFF2-40B4-BE49-F238E27FC236}">
-                  <a16:creationId xmlns:a16="http://schemas.microsoft.com/office/drawing/2014/main" id="{70AD327C-166E-485D-9DE4-DD0FDF387D3F}"/>
+                  <a16:creationId xmlns:a16="http://schemas.microsoft.com/office/drawing/2014/main" id="{00EB7345-DD50-428C-9A95-45B218F0F35C}"/>
                 </a:ext>
               </a:extLst>
             </p:cNvPr>
             <p:cNvPicPr>
-              <a:picLocks noChangeAspect="1"/>
+              <a:picLocks noChangeAspect="1" noChangeArrowheads="1"/>
             </p:cNvPicPr>
             <p:nvPr/>
           </p:nvPicPr>
           <p:blipFill>
-            <a:blip r:embed="rId10">
+            <a:blip r:embed="rId9">
               <a:extLst>
                 <a:ext uri="{28A0092B-C50C-407E-A947-70E740481C1C}">
                   <a14:useLocalDpi xmlns:a14="http://schemas.microsoft.com/office/drawing/2010/main" val="0"/>
                 </a:ext>
               </a:extLst>
             </a:blip>
+            <a:srcRect/>
             <a:stretch>
               <a:fillRect/>
             </a:stretch>
           </p:blipFill>
-          <p:spPr>
+          <p:spPr bwMode="auto">
             <a:xfrm>
-              <a:off x="10318005" y="2926282"/>
-              <a:ext cx="1396825" cy="1396825"/>
-            </a:xfrm>
-            <a:prstGeom prst="rect">
-              <a:avLst/>
-            </a:prstGeom>
-          </p:spPr>
-        </p:pic>
-        <p:sp>
-          <p:nvSpPr>
-            <p:cNvPr id="31" name="Rectangle 30">
-              <a:extLst>
-                <a:ext uri="{FF2B5EF4-FFF2-40B4-BE49-F238E27FC236}">
-                  <a16:creationId xmlns:a16="http://schemas.microsoft.com/office/drawing/2014/main" id="{C293FDCB-B6E7-4259-B85A-6F8256002D06}"/>
-                </a:ext>
-              </a:extLst>
-            </p:cNvPr>
-            <p:cNvSpPr/>
-            <p:nvPr/>
-          </p:nvSpPr>
-          <p:spPr>
-            <a:xfrm>
-              <a:off x="8398878" y="2750980"/>
-              <a:ext cx="3483152" cy="1697578"/>
+              <a:off x="5245100" y="1184275"/>
+              <a:ext cx="762000" cy="762000"/>
             </a:xfrm>
             <a:prstGeom prst="rect">
               <a:avLst/>
             </a:prstGeom>
             <a:noFill/>
-            <a:ln w="12700">
-              <a:solidFill>
-                <a:srgbClr val="5A6B86"/>
-              </a:solidFill>
-              <a:prstDash val="dash"/>
+            <a:ln>
+              <a:noFill/>
             </a:ln>
+            <a:extLst>
+              <a:ext uri="{909E8E84-426E-40DD-AFC4-6F175D3DCCD1}">
+                <a14:hiddenFill xmlns:a14="http://schemas.microsoft.com/office/drawing/2010/main">
+                  <a:solidFill>
+                    <a:srgbClr val="FFFFFF"/>
+                  </a:solidFill>
+                </a14:hiddenFill>
+              </a:ext>
+              <a:ext uri="{91240B29-F687-4F45-9708-019B960494DF}">
+                <a14:hiddenLine xmlns:a14="http://schemas.microsoft.com/office/drawing/2010/main" w="9525">
+                  <a:solidFill>
+                    <a:srgbClr val="000000"/>
+                  </a:solidFill>
+                  <a:miter lim="800000"/>
+                  <a:headEnd/>
+                  <a:tailEnd/>
+                </a14:hiddenLine>
+              </a:ext>
+            </a:extLst>
           </p:spPr>
-          <p:style>
-            <a:lnRef idx="2">
-              <a:schemeClr val="accent1">
-                <a:shade val="50000"/>
-              </a:schemeClr>
-            </a:lnRef>
-            <a:fillRef idx="1">
-              <a:schemeClr val="accent1"/>
-            </a:fillRef>
-            <a:effectRef idx="0">
-              <a:schemeClr val="accent1"/>
-            </a:effectRef>
-            <a:fontRef idx="minor">
-              <a:schemeClr val="lt1"/>
-            </a:fontRef>
-          </p:style>
+        </p:pic>
+        <p:sp>
+          <p:nvSpPr>
+            <p:cNvPr id="18" name="TextBox 11">
+              <a:extLst>
+                <a:ext uri="{FF2B5EF4-FFF2-40B4-BE49-F238E27FC236}">
+                  <a16:creationId xmlns:a16="http://schemas.microsoft.com/office/drawing/2014/main" id="{00BEBA8D-6914-49CF-B493-EA4290A43BCB}"/>
+                </a:ext>
+              </a:extLst>
+            </p:cNvPr>
+            <p:cNvSpPr txBox="1">
+              <a:spLocks noChangeArrowheads="1"/>
+            </p:cNvSpPr>
+            <p:nvPr/>
+          </p:nvSpPr>
+          <p:spPr bwMode="auto">
+            <a:xfrm>
+              <a:off x="4487863" y="1946275"/>
+              <a:ext cx="2292350" cy="276999"/>
+            </a:xfrm>
+            <a:prstGeom prst="rect">
+              <a:avLst/>
+            </a:prstGeom>
+            <a:noFill/>
+            <a:ln>
+              <a:noFill/>
+            </a:ln>
+            <a:extLst>
+              <a:ext uri="{909E8E84-426E-40DD-AFC4-6F175D3DCCD1}">
+                <a14:hiddenFill xmlns:a14="http://schemas.microsoft.com/office/drawing/2010/main">
+                  <a:solidFill>
+                    <a:srgbClr val="FFFFFF"/>
+                  </a:solidFill>
+                </a14:hiddenFill>
+              </a:ext>
+              <a:ext uri="{91240B29-F687-4F45-9708-019B960494DF}">
+                <a14:hiddenLine xmlns:a14="http://schemas.microsoft.com/office/drawing/2010/main" w="9525">
+                  <a:solidFill>
+                    <a:srgbClr val="000000"/>
+                  </a:solidFill>
+                  <a:miter lim="800000"/>
+                  <a:headEnd/>
+                  <a:tailEnd/>
+                </a14:hiddenLine>
+              </a:ext>
+            </a:extLst>
+          </p:spPr>
           <p:txBody>
-            <a:bodyPr tIns="91440"/>
-            <a:lstStyle/>
-            <a:p>
-              <a:pPr algn="ctr" eaLnBrk="1" fontAlgn="auto" hangingPunct="1">
+            <a:bodyPr>
+              <a:spAutoFit/>
+            </a:bodyPr>
+            <a:lstStyle>
+              <a:lvl1pPr>
+                <a:defRPr>
+                  <a:solidFill>
+                    <a:schemeClr val="tx1"/>
+                  </a:solidFill>
+                  <a:latin typeface="Calibri" panose="020F0502020204030204" pitchFamily="34" charset="0"/>
+                </a:defRPr>
+              </a:lvl1pPr>
+              <a:lvl2pPr marL="742950" indent="-285750">
+                <a:defRPr>
+                  <a:solidFill>
+                    <a:schemeClr val="tx1"/>
+                  </a:solidFill>
+                  <a:latin typeface="Calibri" panose="020F0502020204030204" pitchFamily="34" charset="0"/>
+                </a:defRPr>
+              </a:lvl2pPr>
+              <a:lvl3pPr marL="1143000" indent="-228600">
+                <a:defRPr>
+                  <a:solidFill>
+                    <a:schemeClr val="tx1"/>
+                  </a:solidFill>
+                  <a:latin typeface="Calibri" panose="020F0502020204030204" pitchFamily="34" charset="0"/>
+                </a:defRPr>
+              </a:lvl3pPr>
+              <a:lvl4pPr marL="1600200" indent="-228600">
+                <a:defRPr>
+                  <a:solidFill>
+                    <a:schemeClr val="tx1"/>
+                  </a:solidFill>
+                  <a:latin typeface="Calibri" panose="020F0502020204030204" pitchFamily="34" charset="0"/>
+                </a:defRPr>
+              </a:lvl4pPr>
+              <a:lvl5pPr marL="2057400" indent="-228600">
+                <a:defRPr>
+                  <a:solidFill>
+                    <a:schemeClr val="tx1"/>
+                  </a:solidFill>
+                  <a:latin typeface="Calibri" panose="020F0502020204030204" pitchFamily="34" charset="0"/>
+                </a:defRPr>
+              </a:lvl5pPr>
+              <a:lvl6pPr marL="2514600" indent="-228600" eaLnBrk="0" fontAlgn="base" hangingPunct="0">
                 <a:spcBef>
-                  <a:spcPts val="0"/>
+                  <a:spcPct val="0"/>
                 </a:spcBef>
                 <a:spcAft>
-                  <a:spcPts val="0"/>
+                  <a:spcPct val="0"/>
                 </a:spcAft>
-                <a:defRPr/>
-              </a:pPr>
+                <a:defRPr>
+                  <a:solidFill>
+                    <a:schemeClr val="tx1"/>
+                  </a:solidFill>
+                  <a:latin typeface="Calibri" panose="020F0502020204030204" pitchFamily="34" charset="0"/>
+                </a:defRPr>
+              </a:lvl6pPr>
+              <a:lvl7pPr marL="2971800" indent="-228600" eaLnBrk="0" fontAlgn="base" hangingPunct="0">
+                <a:spcBef>
+                  <a:spcPct val="0"/>
+                </a:spcBef>
+                <a:spcAft>
+                  <a:spcPct val="0"/>
+                </a:spcAft>
+                <a:defRPr>
+                  <a:solidFill>
+                    <a:schemeClr val="tx1"/>
+                  </a:solidFill>
+                  <a:latin typeface="Calibri" panose="020F0502020204030204" pitchFamily="34" charset="0"/>
+                </a:defRPr>
+              </a:lvl7pPr>
+              <a:lvl8pPr marL="3429000" indent="-228600" eaLnBrk="0" fontAlgn="base" hangingPunct="0">
+                <a:spcBef>
+                  <a:spcPct val="0"/>
+                </a:spcBef>
+                <a:spcAft>
+                  <a:spcPct val="0"/>
+                </a:spcAft>
+                <a:defRPr>
+                  <a:solidFill>
+                    <a:schemeClr val="tx1"/>
+                  </a:solidFill>
+                  <a:latin typeface="Calibri" panose="020F0502020204030204" pitchFamily="34" charset="0"/>
+                </a:defRPr>
+              </a:lvl8pPr>
+              <a:lvl9pPr marL="3886200" indent="-228600" eaLnBrk="0" fontAlgn="base" hangingPunct="0">
+                <a:spcBef>
+                  <a:spcPct val="0"/>
+                </a:spcBef>
+                <a:spcAft>
+                  <a:spcPct val="0"/>
+                </a:spcAft>
+                <a:defRPr>
+                  <a:solidFill>
+                    <a:schemeClr val="tx1"/>
+                  </a:solidFill>
+                  <a:latin typeface="Calibri" panose="020F0502020204030204" pitchFamily="34" charset="0"/>
+                </a:defRPr>
+              </a:lvl9pPr>
+            </a:lstStyle>
+            <a:p>
+              <a:pPr algn="ctr" eaLnBrk="1" hangingPunct="1"/>
               <a:r>
-                <a:rPr lang="en-US" sz="1200" dirty="0">
-                  <a:solidFill>
-                    <a:schemeClr val="tx1"/>
-                  </a:solidFill>
+                <a:rPr lang="en-US" altLang="en-US" sz="1200" dirty="0">
                   <a:latin typeface="Arial" panose="020B0604020202020204" pitchFamily="34" charset="0"/>
+                  <a:ea typeface="Amazon Ember" panose="020B0603020204020204" pitchFamily="34" charset="0"/>
                   <a:cs typeface="Arial" panose="020B0604020202020204" pitchFamily="34" charset="0"/>
                 </a:rPr>
-                <a:t>Liquibase Pro via AWS </a:t>
+                <a:t>AWS CodeBuild</a:t>
               </a:r>
-              <a:r>
-                <a:rPr lang="en-US" sz="1200" dirty="0" err="1">
-                  <a:solidFill>
-                    <a:schemeClr val="tx1"/>
-                  </a:solidFill>
-                  <a:latin typeface="Arial" panose="020B0604020202020204" pitchFamily="34" charset="0"/>
-                  <a:cs typeface="Arial" panose="020B0604020202020204" pitchFamily="34" charset="0"/>
-                </a:rPr>
-                <a:t>CodeBuild</a:t>
-              </a:r>
-              <a:endParaRPr lang="en-US" sz="1200" dirty="0">
+            </a:p>
+          </p:txBody>
+        </p:sp>
+      </p:grpSp>
+      <p:sp>
+        <p:nvSpPr>
+          <p:cNvPr id="31" name="Rectangle 30">
+            <a:extLst>
+              <a:ext uri="{FF2B5EF4-FFF2-40B4-BE49-F238E27FC236}">
+                <a16:creationId xmlns:a16="http://schemas.microsoft.com/office/drawing/2014/main" id="{C293FDCB-B6E7-4259-B85A-6F8256002D06}"/>
+              </a:ext>
+            </a:extLst>
+          </p:cNvPr>
+          <p:cNvSpPr/>
+          <p:nvPr/>
+        </p:nvSpPr>
+        <p:spPr>
+          <a:xfrm>
+            <a:off x="5595261" y="2036217"/>
+            <a:ext cx="3483152" cy="1697578"/>
+          </a:xfrm>
+          <a:prstGeom prst="rect">
+            <a:avLst/>
+          </a:prstGeom>
+          <a:noFill/>
+          <a:ln w="12700">
+            <a:solidFill>
+              <a:srgbClr val="5A6B86"/>
+            </a:solidFill>
+            <a:prstDash val="dash"/>
+          </a:ln>
+        </p:spPr>
+        <p:style>
+          <a:lnRef idx="2">
+            <a:schemeClr val="accent1">
+              <a:shade val="50000"/>
+            </a:schemeClr>
+          </a:lnRef>
+          <a:fillRef idx="1">
+            <a:schemeClr val="accent1"/>
+          </a:fillRef>
+          <a:effectRef idx="0">
+            <a:schemeClr val="accent1"/>
+          </a:effectRef>
+          <a:fontRef idx="minor">
+            <a:schemeClr val="lt1"/>
+          </a:fontRef>
+        </p:style>
+        <p:txBody>
+          <a:bodyPr tIns="91440"/>
+          <a:lstStyle/>
+          <a:p>
+            <a:pPr algn="ctr" eaLnBrk="1" fontAlgn="auto" hangingPunct="1">
+              <a:spcBef>
+                <a:spcPts val="0"/>
+              </a:spcBef>
+              <a:spcAft>
+                <a:spcPts val="0"/>
+              </a:spcAft>
+              <a:defRPr/>
+            </a:pPr>
+            <a:r>
+              <a:rPr lang="en-US" sz="1200" dirty="0">
                 <a:solidFill>
                   <a:schemeClr val="tx1"/>
                 </a:solidFill>
                 <a:latin typeface="Arial" panose="020B0604020202020204" pitchFamily="34" charset="0"/>
                 <a:cs typeface="Arial" panose="020B0604020202020204" pitchFamily="34" charset="0"/>
-              </a:endParaRPr>
-            </a:p>
-          </p:txBody>
-        </p:sp>
-      </p:grpSp>
+              </a:rPr>
+              <a:t>Liquibase Pro via AWS </a:t>
+            </a:r>
+            <a:r>
+              <a:rPr lang="en-US" sz="1200" dirty="0" err="1">
+                <a:solidFill>
+                  <a:schemeClr val="tx1"/>
+                </a:solidFill>
+                <a:latin typeface="Arial" panose="020B0604020202020204" pitchFamily="34" charset="0"/>
+                <a:cs typeface="Arial" panose="020B0604020202020204" pitchFamily="34" charset="0"/>
+              </a:rPr>
+              <a:t>CodeBuild</a:t>
+            </a:r>
+            <a:endParaRPr lang="en-US" sz="1200" dirty="0">
+              <a:solidFill>
+                <a:schemeClr val="tx1"/>
+              </a:solidFill>
+              <a:latin typeface="Arial" panose="020B0604020202020204" pitchFamily="34" charset="0"/>
+              <a:cs typeface="Arial" panose="020B0604020202020204" pitchFamily="34" charset="0"/>
+            </a:endParaRPr>
+          </a:p>
+        </p:txBody>
+      </p:sp>
       <p:grpSp>
         <p:nvGrpSpPr>
           <p:cNvPr id="35" name="Group 34">
@@ -5128,7 +5071,7 @@
         </p:nvGrpSpPr>
         <p:grpSpPr>
           <a:xfrm>
-            <a:off x="489513" y="1882694"/>
+            <a:off x="484931" y="1863870"/>
             <a:ext cx="1073150" cy="833110"/>
             <a:chOff x="1545279" y="975151"/>
             <a:chExt cx="1073150" cy="833110"/>
@@ -5149,10 +5092,10 @@
             <p:nvPr/>
           </p:nvPicPr>
           <p:blipFill>
-            <a:blip r:embed="rId11">
+            <a:blip r:embed="rId10">
               <a:extLst>
                 <a:ext uri="{96DAC541-7B7A-43D3-8B79-37D633B846F1}">
-                  <asvg:svgBlip xmlns:asvg="http://schemas.microsoft.com/office/drawing/2016/SVG/main" r:embed="rId12"/>
+                  <asvg:svgBlip xmlns:asvg="http://schemas.microsoft.com/office/drawing/2016/SVG/main" r:embed="rId11"/>
                 </a:ext>
               </a:extLst>
             </a:blip>
@@ -5370,7 +5313,7 @@
         </p:nvGrpSpPr>
         <p:grpSpPr>
           <a:xfrm>
-            <a:off x="4294509" y="4889510"/>
+            <a:off x="4294509" y="4849754"/>
             <a:ext cx="1073150" cy="833110"/>
             <a:chOff x="4387136" y="4032003"/>
             <a:chExt cx="1073150" cy="833110"/>
@@ -5391,10 +5334,10 @@
             <p:nvPr/>
           </p:nvPicPr>
           <p:blipFill>
-            <a:blip r:embed="rId11">
+            <a:blip r:embed="rId10">
               <a:extLst>
                 <a:ext uri="{96DAC541-7B7A-43D3-8B79-37D633B846F1}">
-                  <asvg:svgBlip xmlns:asvg="http://schemas.microsoft.com/office/drawing/2016/SVG/main" r:embed="rId12"/>
+                  <asvg:svgBlip xmlns:asvg="http://schemas.microsoft.com/office/drawing/2016/SVG/main" r:embed="rId11"/>
                 </a:ext>
               </a:extLst>
             </a:blip>
@@ -5616,55 +5559,8 @@
         </p:nvCxnSpPr>
         <p:spPr>
           <a:xfrm flipV="1">
-            <a:off x="1261038" y="2103216"/>
-            <a:ext cx="661884" cy="14428"/>
-          </a:xfrm>
-          <a:prstGeom prst="straightConnector1">
-            <a:avLst/>
-          </a:prstGeom>
-          <a:ln w="12700">
-            <a:solidFill>
-              <a:srgbClr val="545B64"/>
-            </a:solidFill>
-            <a:headEnd type="none" w="med" len="sm"/>
-            <a:tailEnd type="arrow" w="med" len="sm"/>
-          </a:ln>
-        </p:spPr>
-        <p:style>
-          <a:lnRef idx="1">
-            <a:schemeClr val="accent1"/>
-          </a:lnRef>
-          <a:fillRef idx="0">
-            <a:schemeClr val="accent1"/>
-          </a:fillRef>
-          <a:effectRef idx="0">
-            <a:schemeClr val="accent1"/>
-          </a:effectRef>
-          <a:fontRef idx="minor">
-            <a:schemeClr val="tx1"/>
-          </a:fontRef>
-        </p:style>
-      </p:cxnSp>
-      <p:cxnSp>
-        <p:nvCxnSpPr>
-          <p:cNvPr id="50" name="Straight Arrow Connector 49">
-            <a:extLst>
-              <a:ext uri="{FF2B5EF4-FFF2-40B4-BE49-F238E27FC236}">
-                <a16:creationId xmlns:a16="http://schemas.microsoft.com/office/drawing/2014/main" id="{D040A92C-9BEE-464D-BC1A-3CEC09E81A05}"/>
-              </a:ext>
-            </a:extLst>
-          </p:cNvPr>
-          <p:cNvCxnSpPr>
-            <a:cxnSpLocks/>
-            <a:stCxn id="28" idx="3"/>
-            <a:endCxn id="11" idx="1"/>
-          </p:cNvCxnSpPr>
-          <p:nvPr/>
-        </p:nvCxnSpPr>
-        <p:spPr>
-          <a:xfrm flipV="1">
-            <a:off x="3796922" y="997254"/>
-            <a:ext cx="855545" cy="1105962"/>
+            <a:off x="1256456" y="2092331"/>
+            <a:ext cx="724358" cy="6489"/>
           </a:xfrm>
           <a:prstGeom prst="straightConnector1">
             <a:avLst/>
@@ -5710,8 +5606,8 @@
         </p:nvCxnSpPr>
         <p:spPr>
           <a:xfrm flipV="1">
-            <a:off x="5414467" y="988825"/>
-            <a:ext cx="1536363" cy="8429"/>
+            <a:off x="5371350" y="1018642"/>
+            <a:ext cx="1579480" cy="2290"/>
           </a:xfrm>
           <a:prstGeom prst="straightConnector1">
             <a:avLst/>
@@ -5750,15 +5646,14 @@
           </p:cNvPr>
           <p:cNvCxnSpPr>
             <a:cxnSpLocks/>
-            <a:stCxn id="15" idx="0"/>
-            <a:endCxn id="31" idx="0"/>
+            <a:stCxn id="14" idx="3"/>
           </p:cNvCxnSpPr>
           <p:nvPr/>
         </p:nvCxnSpPr>
         <p:spPr>
-          <a:xfrm flipH="1">
-            <a:off x="7326898" y="1371412"/>
-            <a:ext cx="5726" cy="664805"/>
+          <a:xfrm>
+            <a:off x="7712830" y="1018642"/>
+            <a:ext cx="698795" cy="0"/>
           </a:xfrm>
           <a:prstGeom prst="straightConnector1">
             <a:avLst/>
@@ -5803,9 +5698,9 @@
           <p:nvPr/>
         </p:nvCxnSpPr>
         <p:spPr>
-          <a:xfrm flipV="1">
-            <a:off x="9068474" y="2869890"/>
-            <a:ext cx="942716" cy="15116"/>
+          <a:xfrm>
+            <a:off x="9078413" y="2885006"/>
+            <a:ext cx="932777" cy="4762"/>
           </a:xfrm>
           <a:prstGeom prst="straightConnector1">
             <a:avLst/>
@@ -5835,53 +5730,6 @@
       </p:cxnSp>
       <p:cxnSp>
         <p:nvCxnSpPr>
-          <p:cNvPr id="63" name="Straight Arrow Connector 62">
-            <a:extLst>
-              <a:ext uri="{FF2B5EF4-FFF2-40B4-BE49-F238E27FC236}">
-                <a16:creationId xmlns:a16="http://schemas.microsoft.com/office/drawing/2014/main" id="{F4EB8F50-497B-4D2E-9D19-EA147D13B47B}"/>
-              </a:ext>
-            </a:extLst>
-          </p:cNvPr>
-          <p:cNvCxnSpPr>
-            <a:cxnSpLocks/>
-            <a:stCxn id="31" idx="2"/>
-            <a:endCxn id="75" idx="0"/>
-          </p:cNvCxnSpPr>
-          <p:nvPr/>
-        </p:nvCxnSpPr>
-        <p:spPr>
-          <a:xfrm flipH="1">
-            <a:off x="2819848" y="3733795"/>
-            <a:ext cx="4507050" cy="680054"/>
-          </a:xfrm>
-          <a:prstGeom prst="straightConnector1">
-            <a:avLst/>
-          </a:prstGeom>
-          <a:ln w="12700">
-            <a:solidFill>
-              <a:srgbClr val="545B64"/>
-            </a:solidFill>
-            <a:headEnd type="none" w="med" len="sm"/>
-            <a:tailEnd type="arrow" w="med" len="sm"/>
-          </a:ln>
-        </p:spPr>
-        <p:style>
-          <a:lnRef idx="1">
-            <a:schemeClr val="accent1"/>
-          </a:lnRef>
-          <a:fillRef idx="0">
-            <a:schemeClr val="accent1"/>
-          </a:fillRef>
-          <a:effectRef idx="0">
-            <a:schemeClr val="accent1"/>
-          </a:effectRef>
-          <a:fontRef idx="minor">
-            <a:schemeClr val="tx1"/>
-          </a:fontRef>
-        </p:style>
-      </p:cxnSp>
-      <p:cxnSp>
-        <p:nvCxnSpPr>
           <p:cNvPr id="66" name="Straight Arrow Connector 65">
             <a:extLst>
               <a:ext uri="{FF2B5EF4-FFF2-40B4-BE49-F238E27FC236}">
@@ -5898,8 +5746,8 @@
         </p:nvCxnSpPr>
         <p:spPr>
           <a:xfrm flipV="1">
-            <a:off x="3985851" y="5124460"/>
-            <a:ext cx="610283" cy="6690"/>
+            <a:off x="4027000" y="5084704"/>
+            <a:ext cx="569134" cy="2923"/>
           </a:xfrm>
           <a:prstGeom prst="straightConnector1">
             <a:avLst/>
@@ -5945,8 +5793,8 @@
         </p:nvCxnSpPr>
         <p:spPr>
           <a:xfrm flipV="1">
-            <a:off x="5066034" y="5123310"/>
-            <a:ext cx="439947" cy="1150"/>
+            <a:off x="5066034" y="5080452"/>
+            <a:ext cx="410038" cy="4252"/>
           </a:xfrm>
           <a:prstGeom prst="straightConnector1">
             <a:avLst/>
@@ -5992,8 +5840,8 @@
         </p:nvCxnSpPr>
         <p:spPr>
           <a:xfrm>
-            <a:off x="7837987" y="5123310"/>
-            <a:ext cx="479341" cy="1150"/>
+            <a:off x="7759199" y="5080452"/>
+            <a:ext cx="558129" cy="14191"/>
           </a:xfrm>
           <a:prstGeom prst="straightConnector1">
             <a:avLst/>
@@ -6035,8 +5883,8 @@
         </p:nvGrpSpPr>
         <p:grpSpPr>
           <a:xfrm>
-            <a:off x="1653845" y="4413849"/>
-            <a:ext cx="2332006" cy="1434602"/>
+            <a:off x="1982228" y="4408154"/>
+            <a:ext cx="2044772" cy="1358945"/>
             <a:chOff x="2568367" y="4938877"/>
             <a:chExt cx="2332006" cy="1434602"/>
           </a:xfrm>
@@ -6076,7 +5924,7 @@
               <p:nvPr/>
             </p:nvPicPr>
             <p:blipFill>
-              <a:blip r:embed="rId13">
+              <a:blip r:embed="rId12">
                 <a:extLst>
                   <a:ext uri="{28A0092B-C50C-407E-A947-70E740481C1C}">
                     <a14:useLocalDpi xmlns:a14="http://schemas.microsoft.com/office/drawing/2010/main" val="0"/>
@@ -6368,8 +6216,8 @@
         </p:nvGrpSpPr>
         <p:grpSpPr>
           <a:xfrm>
-            <a:off x="5505981" y="4406009"/>
-            <a:ext cx="2332006" cy="1434602"/>
+            <a:off x="5476072" y="4363151"/>
+            <a:ext cx="2283127" cy="1434602"/>
             <a:chOff x="2568367" y="4938877"/>
             <a:chExt cx="2332006" cy="1434602"/>
           </a:xfrm>
@@ -6409,7 +6257,7 @@
               <p:nvPr/>
             </p:nvPicPr>
             <p:blipFill>
-              <a:blip r:embed="rId13">
+              <a:blip r:embed="rId12">
                 <a:extLst>
                   <a:ext uri="{28A0092B-C50C-407E-A947-70E740481C1C}">
                     <a14:useLocalDpi xmlns:a14="http://schemas.microsoft.com/office/drawing/2010/main" val="0"/>
@@ -6708,8 +6556,8 @@
         </p:nvGrpSpPr>
         <p:grpSpPr>
           <a:xfrm>
-            <a:off x="9205404" y="4413849"/>
-            <a:ext cx="2332006" cy="1434602"/>
+            <a:off x="9205404" y="4343273"/>
+            <a:ext cx="2239962" cy="1485300"/>
             <a:chOff x="2568367" y="4938877"/>
             <a:chExt cx="2332006" cy="1434602"/>
           </a:xfrm>
@@ -6749,7 +6597,7 @@
               <p:nvPr/>
             </p:nvPicPr>
             <p:blipFill>
-              <a:blip r:embed="rId13">
+              <a:blip r:embed="rId12">
                 <a:extLst>
                   <a:ext uri="{28A0092B-C50C-407E-A947-70E740481C1C}">
                     <a14:useLocalDpi xmlns:a14="http://schemas.microsoft.com/office/drawing/2010/main" val="0"/>
@@ -7041,7 +6889,7 @@
         </p:nvGrpSpPr>
         <p:grpSpPr>
           <a:xfrm>
-            <a:off x="8015703" y="4889510"/>
+            <a:off x="8015703" y="4859693"/>
             <a:ext cx="1073150" cy="833110"/>
             <a:chOff x="4387136" y="4032003"/>
             <a:chExt cx="1073150" cy="833110"/>
@@ -7062,10 +6910,10 @@
             <p:nvPr/>
           </p:nvPicPr>
           <p:blipFill>
-            <a:blip r:embed="rId11">
+            <a:blip r:embed="rId10">
               <a:extLst>
                 <a:ext uri="{96DAC541-7B7A-43D3-8B79-37D633B846F1}">
-                  <asvg:svgBlip xmlns:asvg="http://schemas.microsoft.com/office/drawing/2016/SVG/main" r:embed="rId12"/>
+                  <asvg:svgBlip xmlns:asvg="http://schemas.microsoft.com/office/drawing/2016/SVG/main" r:embed="rId11"/>
                 </a:ext>
               </a:extLst>
             </a:blip>
@@ -7286,9 +7134,412 @@
           <p:nvPr/>
         </p:nvCxnSpPr>
         <p:spPr>
+          <a:xfrm flipV="1">
+            <a:off x="8787228" y="5085923"/>
+            <a:ext cx="418176" cy="8720"/>
+          </a:xfrm>
+          <a:prstGeom prst="straightConnector1">
+            <a:avLst/>
+          </a:prstGeom>
+          <a:ln w="12700">
+            <a:solidFill>
+              <a:srgbClr val="545B64"/>
+            </a:solidFill>
+            <a:headEnd type="none" w="med" len="sm"/>
+            <a:tailEnd type="arrow" w="med" len="sm"/>
+          </a:ln>
+        </p:spPr>
+        <p:style>
+          <a:lnRef idx="1">
+            <a:schemeClr val="accent1"/>
+          </a:lnRef>
+          <a:fillRef idx="0">
+            <a:schemeClr val="accent1"/>
+          </a:fillRef>
+          <a:effectRef idx="0">
+            <a:schemeClr val="accent1"/>
+          </a:effectRef>
+          <a:fontRef idx="minor">
+            <a:schemeClr val="tx1"/>
+          </a:fontRef>
+        </p:style>
+      </p:cxnSp>
+      <p:pic>
+        <p:nvPicPr>
+          <p:cNvPr id="3" name="Picture 2" descr="Logo, company name&#10;&#10;Description automatically generated">
+            <a:extLst>
+              <a:ext uri="{FF2B5EF4-FFF2-40B4-BE49-F238E27FC236}">
+                <a16:creationId xmlns:a16="http://schemas.microsoft.com/office/drawing/2014/main" id="{1EEB2C93-EAE0-8E4F-903B-C7AE3B4ECAA3}"/>
+              </a:ext>
+            </a:extLst>
+          </p:cNvPr>
+          <p:cNvPicPr>
+            <a:picLocks noChangeAspect="1"/>
+          </p:cNvPicPr>
+          <p:nvPr/>
+        </p:nvPicPr>
+        <p:blipFill>
+          <a:blip r:embed="rId13">
+            <a:extLst>
+              <a:ext uri="{28A0092B-C50C-407E-A947-70E740481C1C}">
+                <a14:useLocalDpi xmlns:a14="http://schemas.microsoft.com/office/drawing/2010/main" val="0"/>
+              </a:ext>
+            </a:extLst>
+          </a:blip>
+          <a:stretch>
+            <a:fillRect/>
+          </a:stretch>
+        </p:blipFill>
+        <p:spPr>
           <a:xfrm>
-            <a:off x="8787228" y="5124460"/>
-            <a:ext cx="418176" cy="6690"/>
+            <a:off x="7415519" y="2497362"/>
+            <a:ext cx="1228825" cy="1228825"/>
+          </a:xfrm>
+          <a:prstGeom prst="rect">
+            <a:avLst/>
+          </a:prstGeom>
+        </p:spPr>
+      </p:pic>
+      <p:cxnSp>
+        <p:nvCxnSpPr>
+          <p:cNvPr id="23" name="Straight Connector 22">
+            <a:extLst>
+              <a:ext uri="{FF2B5EF4-FFF2-40B4-BE49-F238E27FC236}">
+                <a16:creationId xmlns:a16="http://schemas.microsoft.com/office/drawing/2014/main" id="{FD8D683E-378A-1E4D-B1AA-6878DA36740D}"/>
+              </a:ext>
+            </a:extLst>
+          </p:cNvPr>
+          <p:cNvCxnSpPr>
+            <a:cxnSpLocks/>
+          </p:cNvCxnSpPr>
+          <p:nvPr/>
+        </p:nvCxnSpPr>
+        <p:spPr>
+          <a:xfrm>
+            <a:off x="3324996" y="2064163"/>
+            <a:ext cx="453011" cy="0"/>
+          </a:xfrm>
+          <a:prstGeom prst="line">
+            <a:avLst/>
+          </a:prstGeom>
+          <a:ln w="9525" cap="flat" cmpd="sng" algn="ctr">
+            <a:solidFill>
+              <a:schemeClr val="dk1"/>
+            </a:solidFill>
+            <a:prstDash val="solid"/>
+            <a:round/>
+            <a:headEnd type="none" w="med" len="med"/>
+            <a:tailEnd type="arrow" w="med" len="med"/>
+          </a:ln>
+        </p:spPr>
+        <p:style>
+          <a:lnRef idx="0">
+            <a:scrgbClr r="0" g="0" b="0"/>
+          </a:lnRef>
+          <a:fillRef idx="0">
+            <a:scrgbClr r="0" g="0" b="0"/>
+          </a:fillRef>
+          <a:effectRef idx="0">
+            <a:scrgbClr r="0" g="0" b="0"/>
+          </a:effectRef>
+          <a:fontRef idx="minor">
+            <a:schemeClr val="tx1"/>
+          </a:fontRef>
+        </p:style>
+      </p:cxnSp>
+      <p:cxnSp>
+        <p:nvCxnSpPr>
+          <p:cNvPr id="65" name="Straight Connector 64">
+            <a:extLst>
+              <a:ext uri="{FF2B5EF4-FFF2-40B4-BE49-F238E27FC236}">
+                <a16:creationId xmlns:a16="http://schemas.microsoft.com/office/drawing/2014/main" id="{7D17B10B-9FAF-5248-88C1-9EA95F9818F9}"/>
+              </a:ext>
+            </a:extLst>
+          </p:cNvPr>
+          <p:cNvCxnSpPr>
+            <a:cxnSpLocks/>
+          </p:cNvCxnSpPr>
+          <p:nvPr/>
+        </p:nvCxnSpPr>
+        <p:spPr>
+          <a:xfrm flipH="1" flipV="1">
+            <a:off x="3778007" y="1018642"/>
+            <a:ext cx="2370" cy="1063312"/>
+          </a:xfrm>
+          <a:prstGeom prst="line">
+            <a:avLst/>
+          </a:prstGeom>
+          <a:ln w="9525" cap="flat" cmpd="sng" algn="ctr">
+            <a:solidFill>
+              <a:schemeClr val="dk1"/>
+            </a:solidFill>
+            <a:prstDash val="solid"/>
+            <a:round/>
+            <a:headEnd type="none" w="med" len="med"/>
+            <a:tailEnd type="arrow" w="med" len="med"/>
+          </a:ln>
+        </p:spPr>
+        <p:style>
+          <a:lnRef idx="0">
+            <a:scrgbClr r="0" g="0" b="0"/>
+          </a:lnRef>
+          <a:fillRef idx="0">
+            <a:scrgbClr r="0" g="0" b="0"/>
+          </a:fillRef>
+          <a:effectRef idx="0">
+            <a:scrgbClr r="0" g="0" b="0"/>
+          </a:effectRef>
+          <a:fontRef idx="minor">
+            <a:schemeClr val="tx1"/>
+          </a:fontRef>
+        </p:style>
+      </p:cxnSp>
+      <p:cxnSp>
+        <p:nvCxnSpPr>
+          <p:cNvPr id="73" name="Straight Connector 72">
+            <a:extLst>
+              <a:ext uri="{FF2B5EF4-FFF2-40B4-BE49-F238E27FC236}">
+                <a16:creationId xmlns:a16="http://schemas.microsoft.com/office/drawing/2014/main" id="{A81F5C7E-A4B5-4B48-8A8A-97790A9EB035}"/>
+              </a:ext>
+            </a:extLst>
+          </p:cNvPr>
+          <p:cNvCxnSpPr>
+            <a:cxnSpLocks/>
+          </p:cNvCxnSpPr>
+          <p:nvPr/>
+        </p:nvCxnSpPr>
+        <p:spPr>
+          <a:xfrm flipV="1">
+            <a:off x="3762032" y="992484"/>
+            <a:ext cx="949810" cy="5196"/>
+          </a:xfrm>
+          <a:prstGeom prst="line">
+            <a:avLst/>
+          </a:prstGeom>
+          <a:ln w="9525" cap="flat" cmpd="sng" algn="ctr">
+            <a:solidFill>
+              <a:schemeClr val="dk1"/>
+            </a:solidFill>
+            <a:prstDash val="solid"/>
+            <a:round/>
+            <a:headEnd type="none" w="med" len="med"/>
+            <a:tailEnd type="arrow" w="med" len="med"/>
+          </a:ln>
+        </p:spPr>
+        <p:style>
+          <a:lnRef idx="0">
+            <a:scrgbClr r="0" g="0" b="0"/>
+          </a:lnRef>
+          <a:fillRef idx="0">
+            <a:scrgbClr r="0" g="0" b="0"/>
+          </a:fillRef>
+          <a:effectRef idx="0">
+            <a:scrgbClr r="0" g="0" b="0"/>
+          </a:effectRef>
+          <a:fontRef idx="minor">
+            <a:schemeClr val="tx1"/>
+          </a:fontRef>
+        </p:style>
+      </p:cxnSp>
+      <p:cxnSp>
+        <p:nvCxnSpPr>
+          <p:cNvPr id="54" name="Straight Arrow Connector 53">
+            <a:extLst>
+              <a:ext uri="{FF2B5EF4-FFF2-40B4-BE49-F238E27FC236}">
+                <a16:creationId xmlns:a16="http://schemas.microsoft.com/office/drawing/2014/main" id="{2DB1ED19-1BEB-9F46-8FAE-417EBF5DD536}"/>
+              </a:ext>
+            </a:extLst>
+          </p:cNvPr>
+          <p:cNvCxnSpPr>
+            <a:cxnSpLocks/>
+          </p:cNvCxnSpPr>
+          <p:nvPr/>
+        </p:nvCxnSpPr>
+        <p:spPr>
+          <a:xfrm>
+            <a:off x="4040133" y="2799239"/>
+            <a:ext cx="1557901" cy="0"/>
+          </a:xfrm>
+          <a:prstGeom prst="straightConnector1">
+            <a:avLst/>
+          </a:prstGeom>
+          <a:ln>
+            <a:solidFill>
+              <a:schemeClr val="tx1"/>
+            </a:solidFill>
+            <a:headEnd type="arrow" w="med" len="med"/>
+            <a:tailEnd type="none" w="med" len="med"/>
+          </a:ln>
+        </p:spPr>
+        <p:style>
+          <a:lnRef idx="1">
+            <a:schemeClr val="accent1"/>
+          </a:lnRef>
+          <a:fillRef idx="0">
+            <a:schemeClr val="accent1"/>
+          </a:fillRef>
+          <a:effectRef idx="0">
+            <a:schemeClr val="accent1"/>
+          </a:effectRef>
+          <a:fontRef idx="minor">
+            <a:schemeClr val="tx1"/>
+          </a:fontRef>
+        </p:style>
+      </p:cxnSp>
+      <p:cxnSp>
+        <p:nvCxnSpPr>
+          <p:cNvPr id="90" name="Straight Arrow Connector 89">
+            <a:extLst>
+              <a:ext uri="{FF2B5EF4-FFF2-40B4-BE49-F238E27FC236}">
+                <a16:creationId xmlns:a16="http://schemas.microsoft.com/office/drawing/2014/main" id="{788D8D15-A1B9-404F-8052-7B6AD4C7228B}"/>
+              </a:ext>
+            </a:extLst>
+          </p:cNvPr>
+          <p:cNvCxnSpPr>
+            <a:cxnSpLocks/>
+          </p:cNvCxnSpPr>
+          <p:nvPr/>
+        </p:nvCxnSpPr>
+        <p:spPr>
+          <a:xfrm>
+            <a:off x="4035920" y="2804412"/>
+            <a:ext cx="0" cy="1131484"/>
+          </a:xfrm>
+          <a:prstGeom prst="straightConnector1">
+            <a:avLst/>
+          </a:prstGeom>
+          <a:ln w="12700">
+            <a:solidFill>
+              <a:srgbClr val="545B64"/>
+            </a:solidFill>
+            <a:headEnd type="none" w="med" len="sm"/>
+            <a:tailEnd type="arrow" w="med" len="sm"/>
+          </a:ln>
+        </p:spPr>
+        <p:style>
+          <a:lnRef idx="1">
+            <a:schemeClr val="accent1"/>
+          </a:lnRef>
+          <a:fillRef idx="0">
+            <a:schemeClr val="accent1"/>
+          </a:fillRef>
+          <a:effectRef idx="0">
+            <a:schemeClr val="accent1"/>
+          </a:effectRef>
+          <a:fontRef idx="minor">
+            <a:schemeClr val="tx1"/>
+          </a:fontRef>
+        </p:style>
+      </p:cxnSp>
+      <p:cxnSp>
+        <p:nvCxnSpPr>
+          <p:cNvPr id="91" name="Straight Arrow Connector 90">
+            <a:extLst>
+              <a:ext uri="{FF2B5EF4-FFF2-40B4-BE49-F238E27FC236}">
+                <a16:creationId xmlns:a16="http://schemas.microsoft.com/office/drawing/2014/main" id="{60871CA1-AC28-9949-BA66-D421806869A4}"/>
+              </a:ext>
+            </a:extLst>
+          </p:cNvPr>
+          <p:cNvCxnSpPr>
+            <a:cxnSpLocks/>
+          </p:cNvCxnSpPr>
+          <p:nvPr/>
+        </p:nvCxnSpPr>
+        <p:spPr>
+          <a:xfrm>
+            <a:off x="3002503" y="3935896"/>
+            <a:ext cx="1033417" cy="0"/>
+          </a:xfrm>
+          <a:prstGeom prst="straightConnector1">
+            <a:avLst/>
+          </a:prstGeom>
+          <a:ln>
+            <a:solidFill>
+              <a:schemeClr val="tx1"/>
+            </a:solidFill>
+            <a:headEnd type="arrow" w="med" len="med"/>
+            <a:tailEnd type="none" w="med" len="med"/>
+          </a:ln>
+        </p:spPr>
+        <p:style>
+          <a:lnRef idx="1">
+            <a:schemeClr val="accent1"/>
+          </a:lnRef>
+          <a:fillRef idx="0">
+            <a:schemeClr val="accent1"/>
+          </a:fillRef>
+          <a:effectRef idx="0">
+            <a:schemeClr val="accent1"/>
+          </a:effectRef>
+          <a:fontRef idx="minor">
+            <a:schemeClr val="tx1"/>
+          </a:fontRef>
+        </p:style>
+      </p:cxnSp>
+      <p:cxnSp>
+        <p:nvCxnSpPr>
+          <p:cNvPr id="92" name="Straight Arrow Connector 91">
+            <a:extLst>
+              <a:ext uri="{FF2B5EF4-FFF2-40B4-BE49-F238E27FC236}">
+                <a16:creationId xmlns:a16="http://schemas.microsoft.com/office/drawing/2014/main" id="{6072D24F-5C93-E04B-A1A8-A43FA6577981}"/>
+              </a:ext>
+            </a:extLst>
+          </p:cNvPr>
+          <p:cNvCxnSpPr>
+            <a:cxnSpLocks/>
+            <a:endCxn id="75" idx="0"/>
+          </p:cNvCxnSpPr>
+          <p:nvPr/>
+        </p:nvCxnSpPr>
+        <p:spPr>
+          <a:xfrm>
+            <a:off x="3002503" y="3942542"/>
+            <a:ext cx="2111" cy="465612"/>
+          </a:xfrm>
+          <a:prstGeom prst="straightConnector1">
+            <a:avLst/>
+          </a:prstGeom>
+          <a:ln w="12700">
+            <a:solidFill>
+              <a:srgbClr val="545B64"/>
+            </a:solidFill>
+            <a:headEnd type="none" w="med" len="sm"/>
+            <a:tailEnd type="arrow" w="med" len="sm"/>
+          </a:ln>
+        </p:spPr>
+        <p:style>
+          <a:lnRef idx="1">
+            <a:schemeClr val="accent1"/>
+          </a:lnRef>
+          <a:fillRef idx="0">
+            <a:schemeClr val="accent1"/>
+          </a:fillRef>
+          <a:effectRef idx="0">
+            <a:schemeClr val="accent1"/>
+          </a:effectRef>
+          <a:fontRef idx="minor">
+            <a:schemeClr val="tx1"/>
+          </a:fontRef>
+        </p:style>
+      </p:cxnSp>
+      <p:cxnSp>
+        <p:nvCxnSpPr>
+          <p:cNvPr id="93" name="Straight Arrow Connector 92">
+            <a:extLst>
+              <a:ext uri="{FF2B5EF4-FFF2-40B4-BE49-F238E27FC236}">
+                <a16:creationId xmlns:a16="http://schemas.microsoft.com/office/drawing/2014/main" id="{0726B08E-000D-E24A-BFA2-41EE1859B4D0}"/>
+              </a:ext>
+            </a:extLst>
+          </p:cNvPr>
+          <p:cNvCxnSpPr>
+            <a:cxnSpLocks/>
+          </p:cNvCxnSpPr>
+          <p:nvPr/>
+        </p:nvCxnSpPr>
+        <p:spPr>
+          <a:xfrm>
+            <a:off x="8415571" y="1040049"/>
+            <a:ext cx="0" cy="996168"/>
           </a:xfrm>
           <a:prstGeom prst="straightConnector1">
             <a:avLst/>
@@ -7631,15 +7882,6 @@
 </file>
 
 <file path=customXml/item2.xml><?xml version="1.0" encoding="utf-8"?>
-<?mso-contentType ?>
-<FormTemplates xmlns="http://schemas.microsoft.com/sharepoint/v3/contenttype/forms">
-  <Display>DocumentLibraryForm</Display>
-  <Edit>DocumentLibraryForm</Edit>
-  <New>DocumentLibraryForm</New>
-</FormTemplates>
-</file>
-
-<file path=customXml/item3.xml><?xml version="1.0" encoding="utf-8"?>
 <ct:contentTypeSchema xmlns:ct="http://schemas.microsoft.com/office/2006/metadata/contentType" xmlns:ma="http://schemas.microsoft.com/office/2006/metadata/properties/metaAttributes" ct:_="" ma:_="" ma:contentTypeName="Document" ma:contentTypeID="0x010100B9164D0292C4EC49BC72A7649FBCFFB0" ma:contentTypeVersion="5" ma:contentTypeDescription="Create a new document." ma:contentTypeScope="" ma:versionID="8bee412bdbd6b26e1ebae4b3db9e212b">
   <xsd:schema xmlns:xsd="http://www.w3.org/2001/XMLSchema" xmlns:xs="http://www.w3.org/2001/XMLSchema" xmlns:p="http://schemas.microsoft.com/office/2006/metadata/properties" xmlns:ns3="b2084ec3-c968-4a7f-8482-609be7bf283b" xmlns:ns4="2d0ff5b2-f4e7-415a-8fa3-79ee98aad041" targetNamespace="http://schemas.microsoft.com/office/2006/metadata/properties" ma:root="true" ma:fieldsID="881b45ebc68d80a30b40a45212ad74f2" ns3:_="" ns4:_="">
     <xsd:import namespace="b2084ec3-c968-4a7f-8482-609be7bf283b"/>
@@ -7810,6 +8052,15 @@
 </ct:contentTypeSchema>
 </file>
 
+<file path=customXml/item3.xml><?xml version="1.0" encoding="utf-8"?>
+<?mso-contentType ?>
+<FormTemplates xmlns="http://schemas.microsoft.com/sharepoint/v3/contenttype/forms">
+  <Display>DocumentLibraryForm</Display>
+  <Edit>DocumentLibraryForm</Edit>
+  <New>DocumentLibraryForm</New>
+</FormTemplates>
+</file>
+
 <file path=customXml/itemProps1.xml><?xml version="1.0" encoding="utf-8"?>
 <ds:datastoreItem xmlns:ds="http://schemas.openxmlformats.org/officeDocument/2006/customXml" ds:itemID="{322F4EE9-9C18-4459-A2FE-AB6C323A3FB1}">
   <ds:schemaRefs>
@@ -7828,14 +8079,6 @@
 </file>
 
 <file path=customXml/itemProps2.xml><?xml version="1.0" encoding="utf-8"?>
-<ds:datastoreItem xmlns:ds="http://schemas.openxmlformats.org/officeDocument/2006/customXml" ds:itemID="{7524E348-07C7-4EDB-A3E8-E591267A3084}">
-  <ds:schemaRefs>
-    <ds:schemaRef ds:uri="http://schemas.microsoft.com/sharepoint/v3/contenttype/forms"/>
-  </ds:schemaRefs>
-</ds:datastoreItem>
-</file>
-
-<file path=customXml/itemProps3.xml><?xml version="1.0" encoding="utf-8"?>
 <ds:datastoreItem xmlns:ds="http://schemas.openxmlformats.org/officeDocument/2006/customXml" ds:itemID="{20730512-B94D-45C6-8525-DC0E09B9504A}">
   <ds:schemaRefs>
     <ds:schemaRef ds:uri="http://schemas.microsoft.com/office/2006/metadata/contentType"/>
@@ -7852,4 +8095,12 @@
     <ds:schemaRef ds:uri="http://schemas.microsoft.com/internal/obd"/>
   </ds:schemaRefs>
 </ds:datastoreItem>
+</file>
+
+<file path=customXml/itemProps3.xml><?xml version="1.0" encoding="utf-8"?>
+<ds:datastoreItem xmlns:ds="http://schemas.openxmlformats.org/officeDocument/2006/customXml" ds:itemID="{7524E348-07C7-4EDB-A3E8-E591267A3084}">
+  <ds:schemaRefs>
+    <ds:schemaRef ds:uri="http://schemas.microsoft.com/sharepoint/v3/contenttype/forms"/>
+  </ds:schemaRefs>
+</ds:datastoreItem>
 </file>